--- a/Presentation1.pptx
+++ b/Presentation1.pptx
@@ -12,6 +12,9 @@
     <p:sldId id="263" r:id="rId6"/>
     <p:sldId id="262" r:id="rId7"/>
     <p:sldId id="261" r:id="rId8"/>
+    <p:sldId id="264" r:id="rId9"/>
+    <p:sldId id="265" r:id="rId10"/>
+    <p:sldId id="266" r:id="rId11"/>
   </p:sldIdLst>
   <p:sldSz cx="12192000" cy="6858000"/>
   <p:notesSz cx="6858000" cy="9144000"/>
@@ -110,6 +113,11 @@
       </a:defRPr>
     </a:lvl9pPr>
   </p:defaultTextStyle>
+  <p:extLst>
+    <p:ext uri="{EFAFB233-063F-42B5-8137-9DF3F51BA10A}">
+      <p15:sldGuideLst xmlns:p15="http://schemas.microsoft.com/office/powerpoint/2012/main"/>
+    </p:ext>
+  </p:extLst>
 </p:presentation>
 </file>
 
@@ -244,7 +252,7 @@
           <a:p>
             <a:fld id="{105456AB-E5CC-491F-BFF2-4EDF01125F0B}" type="datetimeFigureOut">
               <a:rPr lang="en-US" smtClean="0"/>
-              <a:t>2/14/2018</a:t>
+              <a:t>2/15/2018</a:t>
             </a:fld>
             <a:endParaRPr lang="en-US"/>
           </a:p>
@@ -414,7 +422,7 @@
           <a:p>
             <a:fld id="{105456AB-E5CC-491F-BFF2-4EDF01125F0B}" type="datetimeFigureOut">
               <a:rPr lang="en-US" smtClean="0"/>
-              <a:t>2/14/2018</a:t>
+              <a:t>2/15/2018</a:t>
             </a:fld>
             <a:endParaRPr lang="en-US"/>
           </a:p>
@@ -594,7 +602,7 @@
           <a:p>
             <a:fld id="{105456AB-E5CC-491F-BFF2-4EDF01125F0B}" type="datetimeFigureOut">
               <a:rPr lang="en-US" smtClean="0"/>
-              <a:t>2/14/2018</a:t>
+              <a:t>2/15/2018</a:t>
             </a:fld>
             <a:endParaRPr lang="en-US"/>
           </a:p>
@@ -764,7 +772,7 @@
           <a:p>
             <a:fld id="{105456AB-E5CC-491F-BFF2-4EDF01125F0B}" type="datetimeFigureOut">
               <a:rPr lang="en-US" smtClean="0"/>
-              <a:t>2/14/2018</a:t>
+              <a:t>2/15/2018</a:t>
             </a:fld>
             <a:endParaRPr lang="en-US"/>
           </a:p>
@@ -1010,7 +1018,7 @@
           <a:p>
             <a:fld id="{105456AB-E5CC-491F-BFF2-4EDF01125F0B}" type="datetimeFigureOut">
               <a:rPr lang="en-US" smtClean="0"/>
-              <a:t>2/14/2018</a:t>
+              <a:t>2/15/2018</a:t>
             </a:fld>
             <a:endParaRPr lang="en-US"/>
           </a:p>
@@ -1242,7 +1250,7 @@
           <a:p>
             <a:fld id="{105456AB-E5CC-491F-BFF2-4EDF01125F0B}" type="datetimeFigureOut">
               <a:rPr lang="en-US" smtClean="0"/>
-              <a:t>2/14/2018</a:t>
+              <a:t>2/15/2018</a:t>
             </a:fld>
             <a:endParaRPr lang="en-US"/>
           </a:p>
@@ -1609,7 +1617,7 @@
           <a:p>
             <a:fld id="{105456AB-E5CC-491F-BFF2-4EDF01125F0B}" type="datetimeFigureOut">
               <a:rPr lang="en-US" smtClean="0"/>
-              <a:t>2/14/2018</a:t>
+              <a:t>2/15/2018</a:t>
             </a:fld>
             <a:endParaRPr lang="en-US"/>
           </a:p>
@@ -1727,7 +1735,7 @@
           <a:p>
             <a:fld id="{105456AB-E5CC-491F-BFF2-4EDF01125F0B}" type="datetimeFigureOut">
               <a:rPr lang="en-US" smtClean="0"/>
-              <a:t>2/14/2018</a:t>
+              <a:t>2/15/2018</a:t>
             </a:fld>
             <a:endParaRPr lang="en-US"/>
           </a:p>
@@ -1822,7 +1830,7 @@
           <a:p>
             <a:fld id="{105456AB-E5CC-491F-BFF2-4EDF01125F0B}" type="datetimeFigureOut">
               <a:rPr lang="en-US" smtClean="0"/>
-              <a:t>2/14/2018</a:t>
+              <a:t>2/15/2018</a:t>
             </a:fld>
             <a:endParaRPr lang="en-US"/>
           </a:p>
@@ -2099,7 +2107,7 @@
           <a:p>
             <a:fld id="{105456AB-E5CC-491F-BFF2-4EDF01125F0B}" type="datetimeFigureOut">
               <a:rPr lang="en-US" smtClean="0"/>
-              <a:t>2/14/2018</a:t>
+              <a:t>2/15/2018</a:t>
             </a:fld>
             <a:endParaRPr lang="en-US"/>
           </a:p>
@@ -2356,7 +2364,7 @@
           <a:p>
             <a:fld id="{105456AB-E5CC-491F-BFF2-4EDF01125F0B}" type="datetimeFigureOut">
               <a:rPr lang="en-US" smtClean="0"/>
-              <a:t>2/14/2018</a:t>
+              <a:t>2/15/2018</a:t>
             </a:fld>
             <a:endParaRPr lang="en-US"/>
           </a:p>
@@ -2569,7 +2577,7 @@
           <a:p>
             <a:fld id="{105456AB-E5CC-491F-BFF2-4EDF01125F0B}" type="datetimeFigureOut">
               <a:rPr lang="en-US" smtClean="0"/>
-              <a:t>2/14/2018</a:t>
+              <a:t>2/15/2018</a:t>
             </a:fld>
             <a:endParaRPr lang="en-US"/>
           </a:p>
@@ -3041,6 +3049,93 @@
 </p:sld>
 </file>
 
+<file path=ppt/slides/slide10.xml><?xml version="1.0" encoding="utf-8"?>
+<p:sld xmlns:a="http://schemas.openxmlformats.org/drawingml/2006/main" xmlns:r="http://schemas.openxmlformats.org/officeDocument/2006/relationships" xmlns:p="http://schemas.openxmlformats.org/presentationml/2006/main">
+  <p:cSld>
+    <p:spTree>
+      <p:nvGrpSpPr>
+        <p:cNvPr id="1" name=""/>
+        <p:cNvGrpSpPr/>
+        <p:nvPr/>
+      </p:nvGrpSpPr>
+      <p:grpSpPr>
+        <a:xfrm>
+          <a:off x="0" y="0"/>
+          <a:ext cx="0" cy="0"/>
+          <a:chOff x="0" y="0"/>
+          <a:chExt cx="0" cy="0"/>
+        </a:xfrm>
+      </p:grpSpPr>
+      <p:sp>
+        <p:nvSpPr>
+          <p:cNvPr id="2" name="Title 1"/>
+          <p:cNvSpPr>
+            <a:spLocks noGrp="1"/>
+          </p:cNvSpPr>
+          <p:nvPr>
+            <p:ph type="title"/>
+          </p:nvPr>
+        </p:nvSpPr>
+        <p:spPr/>
+        <p:txBody>
+          <a:bodyPr/>
+          <a:lstStyle/>
+          <a:p>
+            <a:r>
+              <a:rPr lang="en-US" dirty="0" smtClean="0"/>
+              <a:t>Code generation</a:t>
+            </a:r>
+            <a:endParaRPr lang="en-US" dirty="0"/>
+          </a:p>
+        </p:txBody>
+      </p:sp>
+      <p:sp>
+        <p:nvSpPr>
+          <p:cNvPr id="3" name="Content Placeholder 2"/>
+          <p:cNvSpPr>
+            <a:spLocks noGrp="1"/>
+          </p:cNvSpPr>
+          <p:nvPr>
+            <p:ph idx="1"/>
+          </p:nvPr>
+        </p:nvSpPr>
+        <p:spPr/>
+        <p:txBody>
+          <a:bodyPr/>
+          <a:lstStyle/>
+          <a:p>
+            <a:r>
+              <a:rPr lang="en-US" dirty="0" smtClean="0"/>
+              <a:t>Plugin for </a:t>
+            </a:r>
+            <a:r>
+              <a:rPr lang="en-US" dirty="0" err="1" smtClean="0"/>
+              <a:t>protoc</a:t>
+            </a:r>
+            <a:endParaRPr lang="en-US" dirty="0"/>
+          </a:p>
+        </p:txBody>
+      </p:sp>
+    </p:spTree>
+    <p:extLst>
+      <p:ext uri="{BB962C8B-B14F-4D97-AF65-F5344CB8AC3E}">
+        <p14:creationId xmlns:p14="http://schemas.microsoft.com/office/powerpoint/2010/main" val="837766489"/>
+      </p:ext>
+    </p:extLst>
+  </p:cSld>
+  <p:clrMapOvr>
+    <a:masterClrMapping/>
+  </p:clrMapOvr>
+  <p:timing>
+    <p:tnLst>
+      <p:par>
+        <p:cTn id="1" dur="indefinite" restart="never" nodeType="tmRoot"/>
+      </p:par>
+    </p:tnLst>
+  </p:timing>
+</p:sld>
+</file>
+
 <file path=ppt/slides/slide2.xml><?xml version="1.0" encoding="utf-8"?>
 <p:sld xmlns:a="http://schemas.openxmlformats.org/drawingml/2006/main" xmlns:r="http://schemas.openxmlformats.org/officeDocument/2006/relationships" xmlns:p="http://schemas.openxmlformats.org/presentationml/2006/main">
   <p:cSld>
@@ -3291,7 +3386,11 @@
           <a:p>
             <a:r>
               <a:rPr lang="en-US" dirty="0" smtClean="0"/>
-              <a:t>Uses Protocol Buffers for serialization</a:t>
+              <a:t>Uses Protocol Buffers for </a:t>
+            </a:r>
+            <a:r>
+              <a:rPr lang="en-US" dirty="0" smtClean="0"/>
+              <a:t>the IDL by default</a:t>
             </a:r>
             <a:endParaRPr lang="en-US" dirty="0"/>
           </a:p>
@@ -3394,8 +3493,9 @@
           <a:p>
             <a:r>
               <a:rPr lang="en-US" dirty="0" smtClean="0"/>
-              <a:t>Backwards compatibility, new fields can be introduced</a:t>
-            </a:r>
+              <a:t>Forwards and backwards compatibility</a:t>
+            </a:r>
+            <a:endParaRPr lang="en-US" dirty="0" smtClean="0"/>
           </a:p>
           <a:p>
             <a:r>
@@ -4919,6 +5019,579 @@
 </p:sld>
 </file>
 
+<file path=ppt/slides/slide8.xml><?xml version="1.0" encoding="utf-8"?>
+<p:sld xmlns:a="http://schemas.openxmlformats.org/drawingml/2006/main" xmlns:r="http://schemas.openxmlformats.org/officeDocument/2006/relationships" xmlns:p="http://schemas.openxmlformats.org/presentationml/2006/main">
+  <p:cSld>
+    <p:spTree>
+      <p:nvGrpSpPr>
+        <p:cNvPr id="1" name=""/>
+        <p:cNvGrpSpPr/>
+        <p:nvPr/>
+      </p:nvGrpSpPr>
+      <p:grpSpPr>
+        <a:xfrm>
+          <a:off x="0" y="0"/>
+          <a:ext cx="0" cy="0"/>
+          <a:chOff x="0" y="0"/>
+          <a:chExt cx="0" cy="0"/>
+        </a:xfrm>
+      </p:grpSpPr>
+      <p:sp>
+        <p:nvSpPr>
+          <p:cNvPr id="2" name="Title 1"/>
+          <p:cNvSpPr>
+            <a:spLocks noGrp="1"/>
+          </p:cNvSpPr>
+          <p:nvPr>
+            <p:ph type="title"/>
+          </p:nvPr>
+        </p:nvSpPr>
+        <p:spPr/>
+        <p:txBody>
+          <a:bodyPr/>
+          <a:lstStyle/>
+          <a:p>
+            <a:r>
+              <a:rPr lang="en-US" dirty="0" smtClean="0"/>
+              <a:t>GRPC</a:t>
+            </a:r>
+            <a:endParaRPr lang="en-US" dirty="0"/>
+          </a:p>
+        </p:txBody>
+      </p:sp>
+      <p:sp>
+        <p:nvSpPr>
+          <p:cNvPr id="3" name="Content Placeholder 2"/>
+          <p:cNvSpPr>
+            <a:spLocks noGrp="1"/>
+          </p:cNvSpPr>
+          <p:nvPr>
+            <p:ph idx="1"/>
+          </p:nvPr>
+        </p:nvSpPr>
+        <p:spPr>
+          <a:xfrm>
+            <a:off x="838200" y="1825625"/>
+            <a:ext cx="10515600" cy="1605398"/>
+          </a:xfrm>
+        </p:spPr>
+        <p:txBody>
+          <a:bodyPr/>
+          <a:lstStyle/>
+          <a:p>
+            <a:r>
+              <a:rPr lang="en-US" dirty="0">
+                <a:solidFill>
+                  <a:schemeClr val="bg2"/>
+                </a:solidFill>
+              </a:rPr>
+              <a:t>Open source RPC system by Google</a:t>
+            </a:r>
+          </a:p>
+          <a:p>
+            <a:r>
+              <a:rPr lang="en-US" dirty="0">
+                <a:solidFill>
+                  <a:schemeClr val="bg2"/>
+                </a:solidFill>
+              </a:rPr>
+              <a:t>Uses Protocol Buffers for the IDL by default</a:t>
+            </a:r>
+          </a:p>
+          <a:p>
+            <a:r>
+              <a:rPr lang="en-US" dirty="0" smtClean="0"/>
+              <a:t>Services</a:t>
+            </a:r>
+          </a:p>
+          <a:p>
+            <a:endParaRPr lang="en-US" dirty="0"/>
+          </a:p>
+        </p:txBody>
+      </p:sp>
+      <p:sp>
+        <p:nvSpPr>
+          <p:cNvPr id="4" name="Rectangle 3"/>
+          <p:cNvSpPr/>
+          <p:nvPr/>
+        </p:nvSpPr>
+        <p:spPr>
+          <a:xfrm>
+            <a:off x="838200" y="3690010"/>
+            <a:ext cx="7116271" cy="2308324"/>
+          </a:xfrm>
+          <a:prstGeom prst="rect">
+            <a:avLst/>
+          </a:prstGeom>
+        </p:spPr>
+        <p:txBody>
+          <a:bodyPr wrap="square">
+            <a:spAutoFit/>
+          </a:bodyPr>
+          <a:lstStyle/>
+          <a:p>
+            <a:r>
+              <a:rPr lang="en-US" dirty="0">
+                <a:solidFill>
+                  <a:srgbClr val="D55FDE"/>
+                </a:solidFill>
+                <a:latin typeface="Hack" panose="020B0609030202020204" pitchFamily="49" charset="0"/>
+              </a:rPr>
+              <a:t>syntax</a:t>
+            </a:r>
+            <a:r>
+              <a:rPr lang="en-US" dirty="0">
+                <a:solidFill>
+                  <a:srgbClr val="BBBBBB"/>
+                </a:solidFill>
+                <a:latin typeface="Hack" panose="020B0609030202020204" pitchFamily="49" charset="0"/>
+              </a:rPr>
+              <a:t> = </a:t>
+            </a:r>
+            <a:r>
+              <a:rPr lang="en-US" dirty="0">
+                <a:solidFill>
+                  <a:srgbClr val="89CA78"/>
+                </a:solidFill>
+                <a:latin typeface="Hack" panose="020B0609030202020204" pitchFamily="49" charset="0"/>
+              </a:rPr>
+              <a:t>"proto3"</a:t>
+            </a:r>
+            <a:r>
+              <a:rPr lang="en-US" dirty="0">
+                <a:solidFill>
+                  <a:srgbClr val="BBBBBB"/>
+                </a:solidFill>
+                <a:latin typeface="Hack" panose="020B0609030202020204" pitchFamily="49" charset="0"/>
+              </a:rPr>
+              <a:t>;</a:t>
+            </a:r>
+          </a:p>
+          <a:p>
+            <a:r>
+              <a:rPr lang="en-US" dirty="0">
+                <a:solidFill>
+                  <a:srgbClr val="D55FDE"/>
+                </a:solidFill>
+                <a:latin typeface="Hack" panose="020B0609030202020204" pitchFamily="49" charset="0"/>
+              </a:rPr>
+              <a:t>import</a:t>
+            </a:r>
+            <a:r>
+              <a:rPr lang="en-US" dirty="0">
+                <a:solidFill>
+                  <a:srgbClr val="BBBBBB"/>
+                </a:solidFill>
+                <a:latin typeface="Hack" panose="020B0609030202020204" pitchFamily="49" charset="0"/>
+              </a:rPr>
+              <a:t> </a:t>
+            </a:r>
+            <a:r>
+              <a:rPr lang="en-US" dirty="0">
+                <a:solidFill>
+                  <a:srgbClr val="89CA78"/>
+                </a:solidFill>
+                <a:latin typeface="Hack" panose="020B0609030202020204" pitchFamily="49" charset="0"/>
+              </a:rPr>
+              <a:t>"</a:t>
+            </a:r>
+            <a:r>
+              <a:rPr lang="en-US" dirty="0" err="1">
+                <a:solidFill>
+                  <a:srgbClr val="89CA78"/>
+                </a:solidFill>
+                <a:latin typeface="Hack" panose="020B0609030202020204" pitchFamily="49" charset="0"/>
+              </a:rPr>
+              <a:t>greeting.proto</a:t>
+            </a:r>
+            <a:r>
+              <a:rPr lang="en-US" dirty="0">
+                <a:solidFill>
+                  <a:srgbClr val="89CA78"/>
+                </a:solidFill>
+                <a:latin typeface="Hack" panose="020B0609030202020204" pitchFamily="49" charset="0"/>
+              </a:rPr>
+              <a:t>"</a:t>
+            </a:r>
+            <a:r>
+              <a:rPr lang="en-US" dirty="0">
+                <a:solidFill>
+                  <a:srgbClr val="BBBBBB"/>
+                </a:solidFill>
+                <a:latin typeface="Hack" panose="020B0609030202020204" pitchFamily="49" charset="0"/>
+              </a:rPr>
+              <a:t>;</a:t>
+            </a:r>
+          </a:p>
+          <a:p>
+            <a:r>
+              <a:rPr lang="en-US" dirty="0">
+                <a:solidFill>
+                  <a:srgbClr val="BBBBBB"/>
+                </a:solidFill>
+                <a:latin typeface="Hack" panose="020B0609030202020204" pitchFamily="49" charset="0"/>
+              </a:rPr>
+              <a:t/>
+            </a:r>
+            <a:br>
+              <a:rPr lang="en-US" dirty="0">
+                <a:solidFill>
+                  <a:srgbClr val="BBBBBB"/>
+                </a:solidFill>
+                <a:latin typeface="Hack" panose="020B0609030202020204" pitchFamily="49" charset="0"/>
+              </a:rPr>
+            </a:br>
+            <a:r>
+              <a:rPr lang="en-US" dirty="0">
+                <a:solidFill>
+                  <a:srgbClr val="D55FDE"/>
+                </a:solidFill>
+                <a:latin typeface="Hack" panose="020B0609030202020204" pitchFamily="49" charset="0"/>
+              </a:rPr>
+              <a:t>package</a:t>
+            </a:r>
+            <a:r>
+              <a:rPr lang="en-US" dirty="0">
+                <a:solidFill>
+                  <a:srgbClr val="BBBBBB"/>
+                </a:solidFill>
+                <a:latin typeface="Hack" panose="020B0609030202020204" pitchFamily="49" charset="0"/>
+              </a:rPr>
+              <a:t> </a:t>
+            </a:r>
+            <a:r>
+              <a:rPr lang="en-US" dirty="0" err="1">
+                <a:solidFill>
+                  <a:srgbClr val="89CA78"/>
+                </a:solidFill>
+                <a:latin typeface="Hack" panose="020B0609030202020204" pitchFamily="49" charset="0"/>
+              </a:rPr>
+              <a:t>service_demo</a:t>
+            </a:r>
+            <a:r>
+              <a:rPr lang="en-US" dirty="0">
+                <a:solidFill>
+                  <a:srgbClr val="BBBBBB"/>
+                </a:solidFill>
+                <a:latin typeface="Hack" panose="020B0609030202020204" pitchFamily="49" charset="0"/>
+              </a:rPr>
+              <a:t>;</a:t>
+            </a:r>
+          </a:p>
+          <a:p>
+            <a:r>
+              <a:rPr lang="en-US" dirty="0">
+                <a:solidFill>
+                  <a:srgbClr val="BBBBBB"/>
+                </a:solidFill>
+                <a:latin typeface="Hack" panose="020B0609030202020204" pitchFamily="49" charset="0"/>
+              </a:rPr>
+              <a:t/>
+            </a:r>
+            <a:br>
+              <a:rPr lang="en-US" dirty="0">
+                <a:solidFill>
+                  <a:srgbClr val="BBBBBB"/>
+                </a:solidFill>
+                <a:latin typeface="Hack" panose="020B0609030202020204" pitchFamily="49" charset="0"/>
+              </a:rPr>
+            </a:br>
+            <a:r>
+              <a:rPr lang="en-US" dirty="0">
+                <a:solidFill>
+                  <a:srgbClr val="D55FDE"/>
+                </a:solidFill>
+                <a:latin typeface="Hack" panose="020B0609030202020204" pitchFamily="49" charset="0"/>
+              </a:rPr>
+              <a:t>service</a:t>
+            </a:r>
+            <a:r>
+              <a:rPr lang="en-US" dirty="0">
+                <a:solidFill>
+                  <a:srgbClr val="BBBBBB"/>
+                </a:solidFill>
+                <a:latin typeface="Hack" panose="020B0609030202020204" pitchFamily="49" charset="0"/>
+              </a:rPr>
+              <a:t> </a:t>
+            </a:r>
+            <a:r>
+              <a:rPr lang="en-US" dirty="0" err="1">
+                <a:solidFill>
+                  <a:srgbClr val="52ADF2"/>
+                </a:solidFill>
+                <a:latin typeface="Hack" panose="020B0609030202020204" pitchFamily="49" charset="0"/>
+              </a:rPr>
+              <a:t>GreetingService</a:t>
+            </a:r>
+            <a:r>
+              <a:rPr lang="en-US" dirty="0">
+                <a:solidFill>
+                  <a:srgbClr val="BBBBBB"/>
+                </a:solidFill>
+                <a:latin typeface="Hack" panose="020B0609030202020204" pitchFamily="49" charset="0"/>
+              </a:rPr>
+              <a:t> {</a:t>
+            </a:r>
+          </a:p>
+          <a:p>
+            <a:r>
+              <a:rPr lang="en-US" dirty="0" smtClean="0">
+                <a:solidFill>
+                  <a:srgbClr val="D55FDE"/>
+                </a:solidFill>
+                <a:latin typeface="Hack" panose="020B0609030202020204" pitchFamily="49" charset="0"/>
+              </a:rPr>
+              <a:t>    </a:t>
+            </a:r>
+            <a:r>
+              <a:rPr lang="en-US" dirty="0" err="1" smtClean="0">
+                <a:solidFill>
+                  <a:srgbClr val="D55FDE"/>
+                </a:solidFill>
+                <a:latin typeface="Hack" panose="020B0609030202020204" pitchFamily="49" charset="0"/>
+              </a:rPr>
+              <a:t>rpc</a:t>
+            </a:r>
+            <a:r>
+              <a:rPr lang="en-US" dirty="0" smtClean="0">
+                <a:solidFill>
+                  <a:srgbClr val="BBBBBB"/>
+                </a:solidFill>
+                <a:latin typeface="Hack" panose="020B0609030202020204" pitchFamily="49" charset="0"/>
+              </a:rPr>
+              <a:t> </a:t>
+            </a:r>
+            <a:r>
+              <a:rPr lang="en-US" dirty="0" err="1">
+                <a:solidFill>
+                  <a:srgbClr val="52ADF2"/>
+                </a:solidFill>
+                <a:latin typeface="Hack" panose="020B0609030202020204" pitchFamily="49" charset="0"/>
+              </a:rPr>
+              <a:t>SayHi</a:t>
+            </a:r>
+            <a:r>
+              <a:rPr lang="en-US" dirty="0">
+                <a:solidFill>
+                  <a:srgbClr val="BBBBBB"/>
+                </a:solidFill>
+                <a:latin typeface="Hack" panose="020B0609030202020204" pitchFamily="49" charset="0"/>
+              </a:rPr>
+              <a:t>(</a:t>
+            </a:r>
+            <a:r>
+              <a:rPr lang="en-US" dirty="0" err="1">
+                <a:solidFill>
+                  <a:srgbClr val="BBBBBB"/>
+                </a:solidFill>
+                <a:latin typeface="Hack" panose="020B0609030202020204" pitchFamily="49" charset="0"/>
+              </a:rPr>
+              <a:t>demo.Name</a:t>
+            </a:r>
+            <a:r>
+              <a:rPr lang="en-US" dirty="0">
+                <a:solidFill>
+                  <a:srgbClr val="BBBBBB"/>
+                </a:solidFill>
+                <a:latin typeface="Hack" panose="020B0609030202020204" pitchFamily="49" charset="0"/>
+              </a:rPr>
+              <a:t>) </a:t>
+            </a:r>
+            <a:r>
+              <a:rPr lang="en-US" dirty="0">
+                <a:solidFill>
+                  <a:srgbClr val="D55FDE"/>
+                </a:solidFill>
+                <a:latin typeface="Hack" panose="020B0609030202020204" pitchFamily="49" charset="0"/>
+              </a:rPr>
+              <a:t>returns</a:t>
+            </a:r>
+            <a:r>
+              <a:rPr lang="en-US" dirty="0">
+                <a:solidFill>
+                  <a:srgbClr val="BBBBBB"/>
+                </a:solidFill>
+                <a:latin typeface="Hack" panose="020B0609030202020204" pitchFamily="49" charset="0"/>
+              </a:rPr>
+              <a:t> (</a:t>
+            </a:r>
+            <a:r>
+              <a:rPr lang="en-US" dirty="0" err="1">
+                <a:solidFill>
+                  <a:srgbClr val="BBBBBB"/>
+                </a:solidFill>
+                <a:latin typeface="Hack" panose="020B0609030202020204" pitchFamily="49" charset="0"/>
+              </a:rPr>
+              <a:t>demo.Greeting</a:t>
+            </a:r>
+            <a:r>
+              <a:rPr lang="en-US" dirty="0">
+                <a:solidFill>
+                  <a:srgbClr val="BBBBBB"/>
+                </a:solidFill>
+                <a:latin typeface="Hack" panose="020B0609030202020204" pitchFamily="49" charset="0"/>
+              </a:rPr>
+              <a:t>);</a:t>
+            </a:r>
+          </a:p>
+          <a:p>
+            <a:r>
+              <a:rPr lang="en-US" dirty="0">
+                <a:solidFill>
+                  <a:srgbClr val="BBBBBB"/>
+                </a:solidFill>
+                <a:latin typeface="Hack" panose="020B0609030202020204" pitchFamily="49" charset="0"/>
+              </a:rPr>
+              <a:t>}</a:t>
+            </a:r>
+            <a:endParaRPr lang="en-US" b="0" dirty="0">
+              <a:solidFill>
+                <a:srgbClr val="BBBBBB"/>
+              </a:solidFill>
+              <a:effectLst/>
+              <a:latin typeface="Hack" panose="020B0609030202020204" pitchFamily="49" charset="0"/>
+            </a:endParaRPr>
+          </a:p>
+        </p:txBody>
+      </p:sp>
+    </p:spTree>
+    <p:extLst>
+      <p:ext uri="{BB962C8B-B14F-4D97-AF65-F5344CB8AC3E}">
+        <p14:creationId xmlns:p14="http://schemas.microsoft.com/office/powerpoint/2010/main" val="2633253924"/>
+      </p:ext>
+    </p:extLst>
+  </p:cSld>
+  <p:clrMapOvr>
+    <a:masterClrMapping/>
+  </p:clrMapOvr>
+  <p:timing>
+    <p:tnLst>
+      <p:par>
+        <p:cTn id="1" dur="indefinite" restart="never" nodeType="tmRoot"/>
+      </p:par>
+    </p:tnLst>
+  </p:timing>
+</p:sld>
+</file>
+
+<file path=ppt/slides/slide9.xml><?xml version="1.0" encoding="utf-8"?>
+<p:sld xmlns:a="http://schemas.openxmlformats.org/drawingml/2006/main" xmlns:r="http://schemas.openxmlformats.org/officeDocument/2006/relationships" xmlns:p="http://schemas.openxmlformats.org/presentationml/2006/main">
+  <p:cSld>
+    <p:spTree>
+      <p:nvGrpSpPr>
+        <p:cNvPr id="1" name=""/>
+        <p:cNvGrpSpPr/>
+        <p:nvPr/>
+      </p:nvGrpSpPr>
+      <p:grpSpPr>
+        <a:xfrm>
+          <a:off x="0" y="0"/>
+          <a:ext cx="0" cy="0"/>
+          <a:chOff x="0" y="0"/>
+          <a:chExt cx="0" cy="0"/>
+        </a:xfrm>
+      </p:grpSpPr>
+      <p:sp>
+        <p:nvSpPr>
+          <p:cNvPr id="2" name="Title 1"/>
+          <p:cNvSpPr>
+            <a:spLocks noGrp="1"/>
+          </p:cNvSpPr>
+          <p:nvPr>
+            <p:ph type="title"/>
+          </p:nvPr>
+        </p:nvSpPr>
+        <p:spPr/>
+        <p:txBody>
+          <a:bodyPr/>
+          <a:lstStyle/>
+          <a:p>
+            <a:r>
+              <a:rPr lang="en-US" dirty="0" smtClean="0"/>
+              <a:t>GRPC</a:t>
+            </a:r>
+            <a:endParaRPr lang="en-US" dirty="0"/>
+          </a:p>
+        </p:txBody>
+      </p:sp>
+      <p:sp>
+        <p:nvSpPr>
+          <p:cNvPr id="3" name="Content Placeholder 2"/>
+          <p:cNvSpPr>
+            <a:spLocks noGrp="1"/>
+          </p:cNvSpPr>
+          <p:nvPr>
+            <p:ph idx="1"/>
+          </p:nvPr>
+        </p:nvSpPr>
+        <p:spPr>
+          <a:xfrm>
+            <a:off x="838200" y="1825625"/>
+            <a:ext cx="10515600" cy="4275770"/>
+          </a:xfrm>
+        </p:spPr>
+        <p:txBody>
+          <a:bodyPr/>
+          <a:lstStyle/>
+          <a:p>
+            <a:r>
+              <a:rPr lang="en-US" dirty="0">
+                <a:solidFill>
+                  <a:schemeClr val="bg2"/>
+                </a:solidFill>
+              </a:rPr>
+              <a:t>Open source RPC system by Google</a:t>
+            </a:r>
+          </a:p>
+          <a:p>
+            <a:r>
+              <a:rPr lang="en-US" dirty="0">
+                <a:solidFill>
+                  <a:schemeClr val="bg2"/>
+                </a:solidFill>
+              </a:rPr>
+              <a:t>Uses Protocol Buffers for the IDL by default</a:t>
+            </a:r>
+          </a:p>
+          <a:p>
+            <a:r>
+              <a:rPr lang="en-US" dirty="0" smtClean="0">
+                <a:solidFill>
+                  <a:schemeClr val="bg2"/>
+                </a:solidFill>
+              </a:rPr>
+              <a:t>Services</a:t>
+            </a:r>
+          </a:p>
+          <a:p>
+            <a:r>
+              <a:rPr lang="en-US" dirty="0" smtClean="0"/>
+              <a:t>Supports bi directional streaming</a:t>
+            </a:r>
+            <a:endParaRPr lang="en-US" dirty="0"/>
+          </a:p>
+        </p:txBody>
+      </p:sp>
+    </p:spTree>
+    <p:extLst>
+      <p:ext uri="{BB962C8B-B14F-4D97-AF65-F5344CB8AC3E}">
+        <p14:creationId xmlns:p14="http://schemas.microsoft.com/office/powerpoint/2010/main" val="1624701116"/>
+      </p:ext>
+    </p:extLst>
+  </p:cSld>
+  <p:clrMapOvr>
+    <a:masterClrMapping/>
+  </p:clrMapOvr>
+  <p:timing>
+    <p:tnLst>
+      <p:par>
+        <p:cTn id="1" dur="indefinite" restart="never" nodeType="tmRoot"/>
+      </p:par>
+    </p:tnLst>
+  </p:timing>
+</p:sld>
+</file>
+
 <file path=ppt/theme/theme1.xml><?xml version="1.0" encoding="utf-8"?>
 <a:theme xmlns:a="http://schemas.openxmlformats.org/drawingml/2006/main" name="Office Theme">
   <a:themeElements>

--- a/Presentation1.pptx
+++ b/Presentation1.pptx
@@ -14,7 +14,6 @@
     <p:sldId id="261" r:id="rId8"/>
     <p:sldId id="264" r:id="rId9"/>
     <p:sldId id="265" r:id="rId10"/>
-    <p:sldId id="266" r:id="rId11"/>
   </p:sldIdLst>
   <p:sldSz cx="12192000" cy="6858000"/>
   <p:notesSz cx="6858000" cy="9144000"/>
@@ -163,7 +162,7 @@
           </a:lstStyle>
           <a:p>
             <a:r>
-              <a:rPr lang="en-US" smtClean="0"/>
+              <a:rPr lang="en-US"/>
               <a:t>Click to edit Master title style</a:t>
             </a:r>
             <a:endParaRPr lang="en-US" dirty="0"/>
@@ -228,7 +227,7 @@
           </a:lstStyle>
           <a:p>
             <a:r>
-              <a:rPr lang="en-US" smtClean="0"/>
+              <a:rPr lang="en-US"/>
               <a:t>Click to edit Master subtitle style</a:t>
             </a:r>
             <a:endParaRPr lang="en-US" dirty="0"/>
@@ -346,7 +345,7 @@
           <a:lstStyle/>
           <a:p>
             <a:r>
-              <a:rPr lang="en-US" smtClean="0"/>
+              <a:rPr lang="en-US"/>
               <a:t>Click to edit Master title style</a:t>
             </a:r>
             <a:endParaRPr lang="en-US" dirty="0"/>
@@ -370,35 +369,35 @@
           <a:p>
             <a:pPr lvl="0"/>
             <a:r>
-              <a:rPr lang="en-US" smtClean="0"/>
+              <a:rPr lang="en-US"/>
               <a:t>Click to edit Master text styles</a:t>
             </a:r>
           </a:p>
           <a:p>
             <a:pPr lvl="1"/>
             <a:r>
-              <a:rPr lang="en-US" smtClean="0"/>
+              <a:rPr lang="en-US"/>
               <a:t>Second level</a:t>
             </a:r>
           </a:p>
           <a:p>
             <a:pPr lvl="2"/>
             <a:r>
-              <a:rPr lang="en-US" smtClean="0"/>
+              <a:rPr lang="en-US"/>
               <a:t>Third level</a:t>
             </a:r>
           </a:p>
           <a:p>
             <a:pPr lvl="3"/>
             <a:r>
-              <a:rPr lang="en-US" smtClean="0"/>
+              <a:rPr lang="en-US"/>
               <a:t>Fourth level</a:t>
             </a:r>
           </a:p>
           <a:p>
             <a:pPr lvl="4"/>
             <a:r>
-              <a:rPr lang="en-US" smtClean="0"/>
+              <a:rPr lang="en-US"/>
               <a:t>Fifth level</a:t>
             </a:r>
             <a:endParaRPr lang="en-US" dirty="0"/>
@@ -521,7 +520,7 @@
           <a:lstStyle/>
           <a:p>
             <a:r>
-              <a:rPr lang="en-US" smtClean="0"/>
+              <a:rPr lang="en-US"/>
               <a:t>Click to edit Master title style</a:t>
             </a:r>
             <a:endParaRPr lang="en-US" dirty="0"/>
@@ -550,35 +549,35 @@
           <a:p>
             <a:pPr lvl="0"/>
             <a:r>
-              <a:rPr lang="en-US" smtClean="0"/>
+              <a:rPr lang="en-US"/>
               <a:t>Click to edit Master text styles</a:t>
             </a:r>
           </a:p>
           <a:p>
             <a:pPr lvl="1"/>
             <a:r>
-              <a:rPr lang="en-US" smtClean="0"/>
+              <a:rPr lang="en-US"/>
               <a:t>Second level</a:t>
             </a:r>
           </a:p>
           <a:p>
             <a:pPr lvl="2"/>
             <a:r>
-              <a:rPr lang="en-US" smtClean="0"/>
+              <a:rPr lang="en-US"/>
               <a:t>Third level</a:t>
             </a:r>
           </a:p>
           <a:p>
             <a:pPr lvl="3"/>
             <a:r>
-              <a:rPr lang="en-US" smtClean="0"/>
+              <a:rPr lang="en-US"/>
               <a:t>Fourth level</a:t>
             </a:r>
           </a:p>
           <a:p>
             <a:pPr lvl="4"/>
             <a:r>
-              <a:rPr lang="en-US" smtClean="0"/>
+              <a:rPr lang="en-US"/>
               <a:t>Fifth level</a:t>
             </a:r>
             <a:endParaRPr lang="en-US" dirty="0"/>
@@ -696,7 +695,7 @@
           <a:lstStyle/>
           <a:p>
             <a:r>
-              <a:rPr lang="en-US" smtClean="0"/>
+              <a:rPr lang="en-US"/>
               <a:t>Click to edit Master title style</a:t>
             </a:r>
             <a:endParaRPr lang="en-US" dirty="0"/>
@@ -720,35 +719,35 @@
           <a:p>
             <a:pPr lvl="0"/>
             <a:r>
-              <a:rPr lang="en-US" smtClean="0"/>
+              <a:rPr lang="en-US"/>
               <a:t>Click to edit Master text styles</a:t>
             </a:r>
           </a:p>
           <a:p>
             <a:pPr lvl="1"/>
             <a:r>
-              <a:rPr lang="en-US" smtClean="0"/>
+              <a:rPr lang="en-US"/>
               <a:t>Second level</a:t>
             </a:r>
           </a:p>
           <a:p>
             <a:pPr lvl="2"/>
             <a:r>
-              <a:rPr lang="en-US" smtClean="0"/>
+              <a:rPr lang="en-US"/>
               <a:t>Third level</a:t>
             </a:r>
           </a:p>
           <a:p>
             <a:pPr lvl="3"/>
             <a:r>
-              <a:rPr lang="en-US" smtClean="0"/>
+              <a:rPr lang="en-US"/>
               <a:t>Fourth level</a:t>
             </a:r>
           </a:p>
           <a:p>
             <a:pPr lvl="4"/>
             <a:r>
-              <a:rPr lang="en-US" smtClean="0"/>
+              <a:rPr lang="en-US"/>
               <a:t>Fifth level</a:t>
             </a:r>
             <a:endParaRPr lang="en-US" dirty="0"/>
@@ -875,7 +874,7 @@
           </a:lstStyle>
           <a:p>
             <a:r>
-              <a:rPr lang="en-US" smtClean="0"/>
+              <a:rPr lang="en-US"/>
               <a:t>Click to edit Master title style</a:t>
             </a:r>
             <a:endParaRPr lang="en-US" dirty="0"/>
@@ -995,7 +994,7 @@
           <a:p>
             <a:pPr lvl="0"/>
             <a:r>
-              <a:rPr lang="en-US" smtClean="0"/>
+              <a:rPr lang="en-US"/>
               <a:t>Click to edit Master text styles</a:t>
             </a:r>
           </a:p>
@@ -1112,7 +1111,7 @@
           <a:lstStyle/>
           <a:p>
             <a:r>
-              <a:rPr lang="en-US" smtClean="0"/>
+              <a:rPr lang="en-US"/>
               <a:t>Click to edit Master title style</a:t>
             </a:r>
             <a:endParaRPr lang="en-US" dirty="0"/>
@@ -1141,35 +1140,35 @@
           <a:p>
             <a:pPr lvl="0"/>
             <a:r>
-              <a:rPr lang="en-US" smtClean="0"/>
+              <a:rPr lang="en-US"/>
               <a:t>Click to edit Master text styles</a:t>
             </a:r>
           </a:p>
           <a:p>
             <a:pPr lvl="1"/>
             <a:r>
-              <a:rPr lang="en-US" smtClean="0"/>
+              <a:rPr lang="en-US"/>
               <a:t>Second level</a:t>
             </a:r>
           </a:p>
           <a:p>
             <a:pPr lvl="2"/>
             <a:r>
-              <a:rPr lang="en-US" smtClean="0"/>
+              <a:rPr lang="en-US"/>
               <a:t>Third level</a:t>
             </a:r>
           </a:p>
           <a:p>
             <a:pPr lvl="3"/>
             <a:r>
-              <a:rPr lang="en-US" smtClean="0"/>
+              <a:rPr lang="en-US"/>
               <a:t>Fourth level</a:t>
             </a:r>
           </a:p>
           <a:p>
             <a:pPr lvl="4"/>
             <a:r>
-              <a:rPr lang="en-US" smtClean="0"/>
+              <a:rPr lang="en-US"/>
               <a:t>Fifth level</a:t>
             </a:r>
             <a:endParaRPr lang="en-US" dirty="0"/>
@@ -1198,35 +1197,35 @@
           <a:p>
             <a:pPr lvl="0"/>
             <a:r>
-              <a:rPr lang="en-US" smtClean="0"/>
+              <a:rPr lang="en-US"/>
               <a:t>Click to edit Master text styles</a:t>
             </a:r>
           </a:p>
           <a:p>
             <a:pPr lvl="1"/>
             <a:r>
-              <a:rPr lang="en-US" smtClean="0"/>
+              <a:rPr lang="en-US"/>
               <a:t>Second level</a:t>
             </a:r>
           </a:p>
           <a:p>
             <a:pPr lvl="2"/>
             <a:r>
-              <a:rPr lang="en-US" smtClean="0"/>
+              <a:rPr lang="en-US"/>
               <a:t>Third level</a:t>
             </a:r>
           </a:p>
           <a:p>
             <a:pPr lvl="3"/>
             <a:r>
-              <a:rPr lang="en-US" smtClean="0"/>
+              <a:rPr lang="en-US"/>
               <a:t>Fourth level</a:t>
             </a:r>
           </a:p>
           <a:p>
             <a:pPr lvl="4"/>
             <a:r>
-              <a:rPr lang="en-US" smtClean="0"/>
+              <a:rPr lang="en-US"/>
               <a:t>Fifth level</a:t>
             </a:r>
             <a:endParaRPr lang="en-US" dirty="0"/>
@@ -1349,7 +1348,7 @@
           <a:lstStyle/>
           <a:p>
             <a:r>
-              <a:rPr lang="en-US" smtClean="0"/>
+              <a:rPr lang="en-US"/>
               <a:t>Click to edit Master title style</a:t>
             </a:r>
             <a:endParaRPr lang="en-US" dirty="0"/>
@@ -1415,7 +1414,7 @@
           <a:p>
             <a:pPr lvl="0"/>
             <a:r>
-              <a:rPr lang="en-US" smtClean="0"/>
+              <a:rPr lang="en-US"/>
               <a:t>Click to edit Master text styles</a:t>
             </a:r>
           </a:p>
@@ -1443,35 +1442,35 @@
           <a:p>
             <a:pPr lvl="0"/>
             <a:r>
-              <a:rPr lang="en-US" smtClean="0"/>
+              <a:rPr lang="en-US"/>
               <a:t>Click to edit Master text styles</a:t>
             </a:r>
           </a:p>
           <a:p>
             <a:pPr lvl="1"/>
             <a:r>
-              <a:rPr lang="en-US" smtClean="0"/>
+              <a:rPr lang="en-US"/>
               <a:t>Second level</a:t>
             </a:r>
           </a:p>
           <a:p>
             <a:pPr lvl="2"/>
             <a:r>
-              <a:rPr lang="en-US" smtClean="0"/>
+              <a:rPr lang="en-US"/>
               <a:t>Third level</a:t>
             </a:r>
           </a:p>
           <a:p>
             <a:pPr lvl="3"/>
             <a:r>
-              <a:rPr lang="en-US" smtClean="0"/>
+              <a:rPr lang="en-US"/>
               <a:t>Fourth level</a:t>
             </a:r>
           </a:p>
           <a:p>
             <a:pPr lvl="4"/>
             <a:r>
-              <a:rPr lang="en-US" smtClean="0"/>
+              <a:rPr lang="en-US"/>
               <a:t>Fifth level</a:t>
             </a:r>
             <a:endParaRPr lang="en-US" dirty="0"/>
@@ -1537,7 +1536,7 @@
           <a:p>
             <a:pPr lvl="0"/>
             <a:r>
-              <a:rPr lang="en-US" smtClean="0"/>
+              <a:rPr lang="en-US"/>
               <a:t>Click to edit Master text styles</a:t>
             </a:r>
           </a:p>
@@ -1565,35 +1564,35 @@
           <a:p>
             <a:pPr lvl="0"/>
             <a:r>
-              <a:rPr lang="en-US" smtClean="0"/>
+              <a:rPr lang="en-US"/>
               <a:t>Click to edit Master text styles</a:t>
             </a:r>
           </a:p>
           <a:p>
             <a:pPr lvl="1"/>
             <a:r>
-              <a:rPr lang="en-US" smtClean="0"/>
+              <a:rPr lang="en-US"/>
               <a:t>Second level</a:t>
             </a:r>
           </a:p>
           <a:p>
             <a:pPr lvl="2"/>
             <a:r>
-              <a:rPr lang="en-US" smtClean="0"/>
+              <a:rPr lang="en-US"/>
               <a:t>Third level</a:t>
             </a:r>
           </a:p>
           <a:p>
             <a:pPr lvl="3"/>
             <a:r>
-              <a:rPr lang="en-US" smtClean="0"/>
+              <a:rPr lang="en-US"/>
               <a:t>Fourth level</a:t>
             </a:r>
           </a:p>
           <a:p>
             <a:pPr lvl="4"/>
             <a:r>
-              <a:rPr lang="en-US" smtClean="0"/>
+              <a:rPr lang="en-US"/>
               <a:t>Fifth level</a:t>
             </a:r>
             <a:endParaRPr lang="en-US" dirty="0"/>
@@ -1711,7 +1710,7 @@
           <a:lstStyle/>
           <a:p>
             <a:r>
-              <a:rPr lang="en-US" smtClean="0"/>
+              <a:rPr lang="en-US"/>
               <a:t>Click to edit Master title style</a:t>
             </a:r>
             <a:endParaRPr lang="en-US" dirty="0"/>
@@ -1933,7 +1932,7 @@
           </a:lstStyle>
           <a:p>
             <a:r>
-              <a:rPr lang="en-US" smtClean="0"/>
+              <a:rPr lang="en-US"/>
               <a:t>Click to edit Master title style</a:t>
             </a:r>
             <a:endParaRPr lang="en-US" dirty="0"/>
@@ -1990,35 +1989,35 @@
           <a:p>
             <a:pPr lvl="0"/>
             <a:r>
-              <a:rPr lang="en-US" smtClean="0"/>
+              <a:rPr lang="en-US"/>
               <a:t>Click to edit Master text styles</a:t>
             </a:r>
           </a:p>
           <a:p>
             <a:pPr lvl="1"/>
             <a:r>
-              <a:rPr lang="en-US" smtClean="0"/>
+              <a:rPr lang="en-US"/>
               <a:t>Second level</a:t>
             </a:r>
           </a:p>
           <a:p>
             <a:pPr lvl="2"/>
             <a:r>
-              <a:rPr lang="en-US" smtClean="0"/>
+              <a:rPr lang="en-US"/>
               <a:t>Third level</a:t>
             </a:r>
           </a:p>
           <a:p>
             <a:pPr lvl="3"/>
             <a:r>
-              <a:rPr lang="en-US" smtClean="0"/>
+              <a:rPr lang="en-US"/>
               <a:t>Fourth level</a:t>
             </a:r>
           </a:p>
           <a:p>
             <a:pPr lvl="4"/>
             <a:r>
-              <a:rPr lang="en-US" smtClean="0"/>
+              <a:rPr lang="en-US"/>
               <a:t>Fifth level</a:t>
             </a:r>
             <a:endParaRPr lang="en-US" dirty="0"/>
@@ -2084,7 +2083,7 @@
           <a:p>
             <a:pPr lvl="0"/>
             <a:r>
-              <a:rPr lang="en-US" smtClean="0"/>
+              <a:rPr lang="en-US"/>
               <a:t>Click to edit Master text styles</a:t>
             </a:r>
           </a:p>
@@ -2210,7 +2209,7 @@
           </a:lstStyle>
           <a:p>
             <a:r>
-              <a:rPr lang="en-US" smtClean="0"/>
+              <a:rPr lang="en-US"/>
               <a:t>Click to edit Master title style</a:t>
             </a:r>
             <a:endParaRPr lang="en-US" dirty="0"/>
@@ -2275,7 +2274,7 @@
           </a:lstStyle>
           <a:p>
             <a:r>
-              <a:rPr lang="en-US" smtClean="0"/>
+              <a:rPr lang="en-US"/>
               <a:t>Click icon to add picture</a:t>
             </a:r>
             <a:endParaRPr lang="en-US" dirty="0"/>
@@ -2341,7 +2340,7 @@
           <a:p>
             <a:pPr lvl="0"/>
             <a:r>
-              <a:rPr lang="en-US" smtClean="0"/>
+              <a:rPr lang="en-US"/>
               <a:t>Click to edit Master text styles</a:t>
             </a:r>
           </a:p>
@@ -2473,7 +2472,7 @@
           <a:lstStyle/>
           <a:p>
             <a:r>
-              <a:rPr lang="en-US" smtClean="0"/>
+              <a:rPr lang="en-US"/>
               <a:t>Click to edit Master title style</a:t>
             </a:r>
             <a:endParaRPr lang="en-US" dirty="0"/>
@@ -2507,35 +2506,35 @@
           <a:p>
             <a:pPr lvl="0"/>
             <a:r>
-              <a:rPr lang="en-US" smtClean="0"/>
+              <a:rPr lang="en-US"/>
               <a:t>Click to edit Master text styles</a:t>
             </a:r>
           </a:p>
           <a:p>
             <a:pPr lvl="1"/>
             <a:r>
-              <a:rPr lang="en-US" smtClean="0"/>
+              <a:rPr lang="en-US"/>
               <a:t>Second level</a:t>
             </a:r>
           </a:p>
           <a:p>
             <a:pPr lvl="2"/>
             <a:r>
-              <a:rPr lang="en-US" smtClean="0"/>
+              <a:rPr lang="en-US"/>
               <a:t>Third level</a:t>
             </a:r>
           </a:p>
           <a:p>
             <a:pPr lvl="3"/>
             <a:r>
-              <a:rPr lang="en-US" smtClean="0"/>
+              <a:rPr lang="en-US"/>
               <a:t>Fourth level</a:t>
             </a:r>
           </a:p>
           <a:p>
             <a:pPr lvl="4"/>
             <a:r>
-              <a:rPr lang="en-US" smtClean="0"/>
+              <a:rPr lang="en-US"/>
               <a:t>Fifth level</a:t>
             </a:r>
             <a:endParaRPr lang="en-US" dirty="0"/>
@@ -3003,10 +3002,9 @@
           <a:lstStyle/>
           <a:p>
             <a:r>
-              <a:rPr lang="en-US" dirty="0" smtClean="0"/>
+              <a:rPr lang="en-US" dirty="0"/>
               <a:t>GRPC</a:t>
             </a:r>
-            <a:endParaRPr lang="en-US" dirty="0"/>
           </a:p>
         </p:txBody>
       </p:sp>
@@ -3039,100 +3037,6 @@
   <p:clrMapOvr>
     <a:masterClrMapping/>
   </p:clrMapOvr>
-  <p:timing>
-    <p:tnLst>
-      <p:par>
-        <p:cTn id="1" dur="indefinite" restart="never" nodeType="tmRoot"/>
-      </p:par>
-    </p:tnLst>
-  </p:timing>
-</p:sld>
-</file>
-
-<file path=ppt/slides/slide10.xml><?xml version="1.0" encoding="utf-8"?>
-<p:sld xmlns:a="http://schemas.openxmlformats.org/drawingml/2006/main" xmlns:r="http://schemas.openxmlformats.org/officeDocument/2006/relationships" xmlns:p="http://schemas.openxmlformats.org/presentationml/2006/main">
-  <p:cSld>
-    <p:spTree>
-      <p:nvGrpSpPr>
-        <p:cNvPr id="1" name=""/>
-        <p:cNvGrpSpPr/>
-        <p:nvPr/>
-      </p:nvGrpSpPr>
-      <p:grpSpPr>
-        <a:xfrm>
-          <a:off x="0" y="0"/>
-          <a:ext cx="0" cy="0"/>
-          <a:chOff x="0" y="0"/>
-          <a:chExt cx="0" cy="0"/>
-        </a:xfrm>
-      </p:grpSpPr>
-      <p:sp>
-        <p:nvSpPr>
-          <p:cNvPr id="2" name="Title 1"/>
-          <p:cNvSpPr>
-            <a:spLocks noGrp="1"/>
-          </p:cNvSpPr>
-          <p:nvPr>
-            <p:ph type="title"/>
-          </p:nvPr>
-        </p:nvSpPr>
-        <p:spPr/>
-        <p:txBody>
-          <a:bodyPr/>
-          <a:lstStyle/>
-          <a:p>
-            <a:r>
-              <a:rPr lang="en-US" dirty="0" smtClean="0"/>
-              <a:t>Code generation</a:t>
-            </a:r>
-            <a:endParaRPr lang="en-US" dirty="0"/>
-          </a:p>
-        </p:txBody>
-      </p:sp>
-      <p:sp>
-        <p:nvSpPr>
-          <p:cNvPr id="3" name="Content Placeholder 2"/>
-          <p:cNvSpPr>
-            <a:spLocks noGrp="1"/>
-          </p:cNvSpPr>
-          <p:nvPr>
-            <p:ph idx="1"/>
-          </p:nvPr>
-        </p:nvSpPr>
-        <p:spPr/>
-        <p:txBody>
-          <a:bodyPr/>
-          <a:lstStyle/>
-          <a:p>
-            <a:r>
-              <a:rPr lang="en-US" dirty="0" smtClean="0"/>
-              <a:t>Plugin for </a:t>
-            </a:r>
-            <a:r>
-              <a:rPr lang="en-US" dirty="0" err="1" smtClean="0"/>
-              <a:t>protoc</a:t>
-            </a:r>
-            <a:endParaRPr lang="en-US" dirty="0"/>
-          </a:p>
-        </p:txBody>
-      </p:sp>
-    </p:spTree>
-    <p:extLst>
-      <p:ext uri="{BB962C8B-B14F-4D97-AF65-F5344CB8AC3E}">
-        <p14:creationId xmlns:p14="http://schemas.microsoft.com/office/powerpoint/2010/main" val="837766489"/>
-      </p:ext>
-    </p:extLst>
-  </p:cSld>
-  <p:clrMapOvr>
-    <a:masterClrMapping/>
-  </p:clrMapOvr>
-  <p:timing>
-    <p:tnLst>
-      <p:par>
-        <p:cTn id="1" dur="indefinite" restart="never" nodeType="tmRoot"/>
-      </p:par>
-    </p:tnLst>
-  </p:timing>
 </p:sld>
 </file>
 
@@ -3169,10 +3073,9 @@
           <a:lstStyle/>
           <a:p>
             <a:r>
-              <a:rPr lang="en-US" dirty="0" smtClean="0"/>
+              <a:rPr lang="en-US" dirty="0"/>
               <a:t>GRPC</a:t>
             </a:r>
-            <a:endParaRPr lang="en-US" dirty="0"/>
           </a:p>
         </p:txBody>
       </p:sp>
@@ -3192,7 +3095,7 @@
           <a:lstStyle/>
           <a:p>
             <a:r>
-              <a:rPr lang="en-US" dirty="0" smtClean="0"/>
+              <a:rPr lang="en-US" dirty="0"/>
               <a:t>Open source RPC system by Google</a:t>
             </a:r>
           </a:p>
@@ -3352,10 +3255,9 @@
           <a:lstStyle/>
           <a:p>
             <a:r>
-              <a:rPr lang="en-US" dirty="0" smtClean="0"/>
+              <a:rPr lang="en-US" dirty="0"/>
               <a:t>GRPC</a:t>
             </a:r>
-            <a:endParaRPr lang="en-US" dirty="0"/>
           </a:p>
         </p:txBody>
       </p:sp>
@@ -3375,7 +3277,7 @@
           <a:lstStyle/>
           <a:p>
             <a:r>
-              <a:rPr lang="en-US" dirty="0" smtClean="0">
+              <a:rPr lang="en-US" dirty="0">
                 <a:solidFill>
                   <a:schemeClr val="bg2"/>
                 </a:solidFill>
@@ -3385,14 +3287,9 @@
           </a:p>
           <a:p>
             <a:r>
-              <a:rPr lang="en-US" dirty="0" smtClean="0"/>
-              <a:t>Uses Protocol Buffers for </a:t>
-            </a:r>
-            <a:r>
-              <a:rPr lang="en-US" dirty="0" smtClean="0"/>
-              <a:t>the IDL by default</a:t>
-            </a:r>
-            <a:endParaRPr lang="en-US" dirty="0"/>
+              <a:rPr lang="en-US" dirty="0"/>
+              <a:t>Uses Protocol Buffers for the IDL by default</a:t>
+            </a:r>
           </a:p>
         </p:txBody>
       </p:sp>
@@ -3406,13 +3303,6 @@
   <p:clrMapOvr>
     <a:masterClrMapping/>
   </p:clrMapOvr>
-  <p:timing>
-    <p:tnLst>
-      <p:par>
-        <p:cTn id="1" dur="indefinite" restart="never" nodeType="tmRoot"/>
-      </p:par>
-    </p:tnLst>
-  </p:timing>
 </p:sld>
 </file>
 
@@ -3449,10 +3339,9 @@
           <a:lstStyle/>
           <a:p>
             <a:r>
-              <a:rPr lang="en-US" dirty="0" smtClean="0"/>
+              <a:rPr lang="en-US" dirty="0"/>
               <a:t>Protocol Buffers</a:t>
             </a:r>
-            <a:endParaRPr lang="en-US" dirty="0"/>
           </a:p>
         </p:txBody>
       </p:sp>
@@ -3472,43 +3361,33 @@
           <a:lstStyle/>
           <a:p>
             <a:r>
-              <a:rPr lang="en-US" dirty="0" smtClean="0"/>
-              <a:t>“Protocol </a:t>
-            </a:r>
-            <a:r>
               <a:rPr lang="en-US" dirty="0"/>
-              <a:t>buffers are a flexible, efficient, automated mechanism for serializing structured </a:t>
-            </a:r>
-            <a:r>
-              <a:rPr lang="en-US" dirty="0" smtClean="0"/>
-              <a:t>data”</a:t>
-            </a:r>
-          </a:p>
-          <a:p>
-            <a:r>
-              <a:rPr lang="en-US" dirty="0" smtClean="0"/>
+              <a:t>“Protocol buffers are a flexible, efficient, automated mechanism for serializing structured data”</a:t>
+            </a:r>
+          </a:p>
+          <a:p>
+            <a:r>
+              <a:rPr lang="en-US" dirty="0"/>
               <a:t>Avoid need for hand parsing</a:t>
             </a:r>
           </a:p>
           <a:p>
             <a:r>
-              <a:rPr lang="en-US" dirty="0" smtClean="0"/>
+              <a:rPr lang="en-US" dirty="0"/>
               <a:t>Forwards and backwards compatibility</a:t>
             </a:r>
-            <a:endParaRPr lang="en-US" dirty="0" smtClean="0"/>
-          </a:p>
-          <a:p>
-            <a:r>
-              <a:rPr lang="en-US" dirty="0" smtClean="0"/>
-              <a:t>RPC stubs</a:t>
-            </a:r>
-          </a:p>
-          <a:p>
-            <a:r>
-              <a:rPr lang="en-US" dirty="0" smtClean="0"/>
+          </a:p>
+          <a:p>
+            <a:r>
+              <a:rPr lang="en-US" dirty="0"/>
+              <a:t>RPC stubs (more on this later)</a:t>
+            </a:r>
+          </a:p>
+          <a:p>
+            <a:r>
+              <a:rPr lang="en-US" dirty="0"/>
               <a:t>Defined with an IDL</a:t>
             </a:r>
-            <a:endParaRPr lang="en-US" dirty="0"/>
           </a:p>
         </p:txBody>
       </p:sp>
@@ -3836,10 +3715,9 @@
           <a:lstStyle/>
           <a:p>
             <a:r>
-              <a:rPr lang="en-US" dirty="0" smtClean="0"/>
+              <a:rPr lang="en-US" dirty="0"/>
               <a:t>.proto</a:t>
             </a:r>
-            <a:endParaRPr lang="en-US" dirty="0"/>
           </a:p>
         </p:txBody>
       </p:sp>
@@ -3859,18 +3737,14 @@
           <a:lstStyle/>
           <a:p>
             <a:r>
-              <a:rPr lang="en-US" dirty="0" smtClean="0"/>
+              <a:rPr lang="en-US" dirty="0"/>
               <a:t>Files that contain message definitions</a:t>
             </a:r>
           </a:p>
           <a:p>
             <a:r>
-              <a:rPr lang="en-US" dirty="0" smtClean="0"/>
-              <a:t>Proto3 </a:t>
-            </a:r>
-            <a:r>
               <a:rPr lang="en-US" dirty="0"/>
-              <a:t>language guide - https://developers.google.com/protocol-buffers/docs/proto3</a:t>
+              <a:t>Proto3 language guide - https://developers.google.com/protocol-buffers/docs/proto3</a:t>
             </a:r>
           </a:p>
         </p:txBody>
@@ -3885,13 +3759,6 @@
   <p:clrMapOvr>
     <a:masterClrMapping/>
   </p:clrMapOvr>
-  <p:timing>
-    <p:tnLst>
-      <p:par>
-        <p:cTn id="1" dur="indefinite" restart="never" nodeType="tmRoot"/>
-      </p:par>
-    </p:tnLst>
-  </p:timing>
 </p:sld>
 </file>
 
@@ -3928,10 +3795,9 @@
           <a:lstStyle/>
           <a:p>
             <a:r>
-              <a:rPr lang="en-US" dirty="0" smtClean="0"/>
+              <a:rPr lang="en-US" dirty="0"/>
               <a:t>.proto</a:t>
             </a:r>
-            <a:endParaRPr lang="en-US" dirty="0"/>
           </a:p>
         </p:txBody>
       </p:sp>
@@ -3957,7 +3823,7 @@
           <a:lstStyle/>
           <a:p>
             <a:r>
-              <a:rPr lang="en-US" b="0" dirty="0" smtClean="0">
+              <a:rPr lang="en-US" b="0" dirty="0">
                 <a:solidFill>
                   <a:srgbClr val="D55FDE"/>
                 </a:solidFill>
@@ -3967,7 +3833,7 @@
               <a:t>syntax</a:t>
             </a:r>
             <a:r>
-              <a:rPr lang="en-US" b="0" dirty="0" smtClean="0">
+              <a:rPr lang="en-US" b="0" dirty="0">
                 <a:solidFill>
                   <a:srgbClr val="BBBBBB"/>
                 </a:solidFill>
@@ -3977,7 +3843,7 @@
               <a:t> = </a:t>
             </a:r>
             <a:r>
-              <a:rPr lang="en-US" b="0" dirty="0" smtClean="0">
+              <a:rPr lang="en-US" b="0" dirty="0">
                 <a:solidFill>
                   <a:srgbClr val="89CA78"/>
                 </a:solidFill>
@@ -3987,7 +3853,7 @@
               <a:t>"proto3"</a:t>
             </a:r>
             <a:r>
-              <a:rPr lang="en-US" b="0" dirty="0" smtClean="0">
+              <a:rPr lang="en-US" b="0" dirty="0">
                 <a:solidFill>
                   <a:srgbClr val="BBBBBB"/>
                 </a:solidFill>
@@ -3999,7 +3865,7 @@
           </a:p>
           <a:p>
             <a:r>
-              <a:rPr lang="en-US" b="0" dirty="0" smtClean="0">
+              <a:rPr lang="en-US" b="0" dirty="0">
                 <a:solidFill>
                   <a:srgbClr val="D55FDE"/>
                 </a:solidFill>
@@ -4009,7 +3875,7 @@
               <a:t>package</a:t>
             </a:r>
             <a:r>
-              <a:rPr lang="en-US" b="0" dirty="0" smtClean="0">
+              <a:rPr lang="en-US" b="0" dirty="0">
                 <a:solidFill>
                   <a:srgbClr val="BBBBBB"/>
                 </a:solidFill>
@@ -4019,7 +3885,7 @@
               <a:t> </a:t>
             </a:r>
             <a:r>
-              <a:rPr lang="en-US" b="0" dirty="0" smtClean="0">
+              <a:rPr lang="en-US" b="0" dirty="0">
                 <a:solidFill>
                   <a:srgbClr val="89CA78"/>
                 </a:solidFill>
@@ -4029,7 +3895,7 @@
               <a:t>demo</a:t>
             </a:r>
             <a:r>
-              <a:rPr lang="en-US" b="0" dirty="0" smtClean="0">
+              <a:rPr lang="en-US" b="0" dirty="0">
                 <a:solidFill>
                   <a:srgbClr val="BBBBBB"/>
                 </a:solidFill>
@@ -4040,18 +3906,195 @@
             </a:r>
           </a:p>
           <a:p>
-            <a:r>
-              <a:rPr lang="en-US" b="0" dirty="0" smtClean="0">
+            <a:br>
+              <a:rPr lang="en-US" b="0" dirty="0">
                 <a:solidFill>
                   <a:srgbClr val="BBBBBB"/>
                 </a:solidFill>
                 <a:effectLst/>
                 <a:latin typeface="Hack" panose="020B0609030202020204" pitchFamily="49" charset="0"/>
               </a:rPr>
-              <a:t/>
-            </a:r>
+            </a:br>
+            <a:r>
+              <a:rPr lang="en-US" b="0" dirty="0">
+                <a:solidFill>
+                  <a:srgbClr val="D55FDE"/>
+                </a:solidFill>
+                <a:effectLst/>
+                <a:latin typeface="Hack" panose="020B0609030202020204" pitchFamily="49" charset="0"/>
+              </a:rPr>
+              <a:t>message</a:t>
+            </a:r>
+            <a:r>
+              <a:rPr lang="en-US" b="0" dirty="0">
+                <a:solidFill>
+                  <a:srgbClr val="BBBBBB"/>
+                </a:solidFill>
+                <a:effectLst/>
+                <a:latin typeface="Hack" panose="020B0609030202020204" pitchFamily="49" charset="0"/>
+              </a:rPr>
+              <a:t> </a:t>
+            </a:r>
+            <a:r>
+              <a:rPr lang="en-US" b="0" dirty="0">
+                <a:solidFill>
+                  <a:srgbClr val="52ADF2"/>
+                </a:solidFill>
+                <a:effectLst/>
+                <a:latin typeface="Hack" panose="020B0609030202020204" pitchFamily="49" charset="0"/>
+              </a:rPr>
+              <a:t>Name</a:t>
+            </a:r>
+            <a:r>
+              <a:rPr lang="en-US" b="0" dirty="0">
+                <a:solidFill>
+                  <a:srgbClr val="BBBBBB"/>
+                </a:solidFill>
+                <a:effectLst/>
+                <a:latin typeface="Hack" panose="020B0609030202020204" pitchFamily="49" charset="0"/>
+              </a:rPr>
+              <a:t> {</a:t>
+            </a:r>
+          </a:p>
+          <a:p>
+            <a:r>
+              <a:rPr lang="en-US" b="0" dirty="0">
+                <a:solidFill>
+                  <a:srgbClr val="D55FDE"/>
+                </a:solidFill>
+                <a:effectLst/>
+                <a:latin typeface="Hack" panose="020B0609030202020204" pitchFamily="49" charset="0"/>
+              </a:rPr>
+              <a:t>    string</a:t>
+            </a:r>
+            <a:r>
+              <a:rPr lang="en-US" b="0" dirty="0">
+                <a:solidFill>
+                  <a:srgbClr val="BBBBBB"/>
+                </a:solidFill>
+                <a:effectLst/>
+                <a:latin typeface="Hack" panose="020B0609030202020204" pitchFamily="49" charset="0"/>
+              </a:rPr>
+              <a:t> </a:t>
+            </a:r>
+            <a:r>
+              <a:rPr lang="en-US" b="0" dirty="0" err="1">
+                <a:solidFill>
+                  <a:srgbClr val="EF596F"/>
+                </a:solidFill>
+                <a:effectLst/>
+                <a:latin typeface="Hack" panose="020B0609030202020204" pitchFamily="49" charset="0"/>
+              </a:rPr>
+              <a:t>first_name</a:t>
+            </a:r>
+            <a:r>
+              <a:rPr lang="en-US" b="0" dirty="0">
+                <a:solidFill>
+                  <a:srgbClr val="BBBBBB"/>
+                </a:solidFill>
+                <a:effectLst/>
+                <a:latin typeface="Hack" panose="020B0609030202020204" pitchFamily="49" charset="0"/>
+              </a:rPr>
+              <a:t> = </a:t>
+            </a:r>
+            <a:r>
+              <a:rPr lang="en-US" b="0" dirty="0">
+                <a:solidFill>
+                  <a:srgbClr val="D8985F"/>
+                </a:solidFill>
+                <a:effectLst/>
+                <a:latin typeface="Hack" panose="020B0609030202020204" pitchFamily="49" charset="0"/>
+              </a:rPr>
+              <a:t>1</a:t>
+            </a:r>
+            <a:r>
+              <a:rPr lang="en-US" b="0" dirty="0">
+                <a:solidFill>
+                  <a:srgbClr val="BBBBBB"/>
+                </a:solidFill>
+                <a:effectLst/>
+                <a:latin typeface="Hack" panose="020B0609030202020204" pitchFamily="49" charset="0"/>
+              </a:rPr>
+              <a:t>;</a:t>
+            </a:r>
+          </a:p>
+          <a:p>
+            <a:r>
+              <a:rPr lang="en-US" b="0" dirty="0">
+                <a:solidFill>
+                  <a:srgbClr val="D55FDE"/>
+                </a:solidFill>
+                <a:effectLst/>
+                <a:latin typeface="Hack" panose="020B0609030202020204" pitchFamily="49" charset="0"/>
+              </a:rPr>
+              <a:t>    string</a:t>
+            </a:r>
+            <a:r>
+              <a:rPr lang="en-US" b="0" dirty="0">
+                <a:solidFill>
+                  <a:srgbClr val="BBBBBB"/>
+                </a:solidFill>
+                <a:effectLst/>
+                <a:latin typeface="Hack" panose="020B0609030202020204" pitchFamily="49" charset="0"/>
+              </a:rPr>
+              <a:t> </a:t>
+            </a:r>
+            <a:r>
+              <a:rPr lang="en-US" b="0" dirty="0" err="1">
+                <a:solidFill>
+                  <a:srgbClr val="EF596F"/>
+                </a:solidFill>
+                <a:effectLst/>
+                <a:latin typeface="Hack" panose="020B0609030202020204" pitchFamily="49" charset="0"/>
+              </a:rPr>
+              <a:t>last_name</a:t>
+            </a:r>
+            <a:r>
+              <a:rPr lang="en-US" b="0" dirty="0">
+                <a:solidFill>
+                  <a:srgbClr val="BBBBBB"/>
+                </a:solidFill>
+                <a:effectLst/>
+                <a:latin typeface="Hack" panose="020B0609030202020204" pitchFamily="49" charset="0"/>
+              </a:rPr>
+              <a:t> = </a:t>
+            </a:r>
+            <a:r>
+              <a:rPr lang="en-US" b="0" dirty="0">
+                <a:solidFill>
+                  <a:srgbClr val="D8985F"/>
+                </a:solidFill>
+                <a:effectLst/>
+                <a:latin typeface="Hack" panose="020B0609030202020204" pitchFamily="49" charset="0"/>
+              </a:rPr>
+              <a:t>2</a:t>
+            </a:r>
+            <a:r>
+              <a:rPr lang="en-US" b="0" dirty="0">
+                <a:solidFill>
+                  <a:srgbClr val="BBBBBB"/>
+                </a:solidFill>
+                <a:effectLst/>
+                <a:latin typeface="Hack" panose="020B0609030202020204" pitchFamily="49" charset="0"/>
+              </a:rPr>
+              <a:t>;</a:t>
+            </a:r>
+          </a:p>
+          <a:p>
+            <a:r>
+              <a:rPr lang="en-US" b="0" dirty="0">
+                <a:solidFill>
+                  <a:srgbClr val="BBBBBB"/>
+                </a:solidFill>
+                <a:effectLst/>
+                <a:latin typeface="Hack" panose="020B0609030202020204" pitchFamily="49" charset="0"/>
+              </a:rPr>
+              <a:t>}</a:t>
+            </a:r>
+          </a:p>
+          <a:p>
             <a:br>
-              <a:rPr lang="en-US" b="0" dirty="0" smtClean="0">
+              <a:rPr lang="en-US" b="0" dirty="0">
                 <a:solidFill>
                   <a:srgbClr val="BBBBBB"/>
                 </a:solidFill>
@@ -4060,7 +4103,7 @@
               </a:rPr>
             </a:br>
             <a:r>
-              <a:rPr lang="en-US" b="0" dirty="0" smtClean="0">
+              <a:rPr lang="en-US" b="0" dirty="0">
                 <a:solidFill>
                   <a:srgbClr val="D55FDE"/>
                 </a:solidFill>
@@ -4070,7 +4113,7 @@
               <a:t>message</a:t>
             </a:r>
             <a:r>
-              <a:rPr lang="en-US" b="0" dirty="0" smtClean="0">
+              <a:rPr lang="en-US" b="0" dirty="0">
                 <a:solidFill>
                   <a:srgbClr val="BBBBBB"/>
                 </a:solidFill>
@@ -4080,39 +4123,295 @@
               <a:t> </a:t>
             </a:r>
             <a:r>
-              <a:rPr lang="en-US" b="0" dirty="0" smtClean="0">
+              <a:rPr lang="en-US" b="0" dirty="0">
                 <a:solidFill>
                   <a:srgbClr val="52ADF2"/>
                 </a:solidFill>
                 <a:effectLst/>
                 <a:latin typeface="Hack" panose="020B0609030202020204" pitchFamily="49" charset="0"/>
               </a:rPr>
+              <a:t>Greeting</a:t>
+            </a:r>
+            <a:r>
+              <a:rPr lang="en-US" b="0" dirty="0">
+                <a:solidFill>
+                  <a:srgbClr val="BBBBBB"/>
+                </a:solidFill>
+                <a:effectLst/>
+                <a:latin typeface="Hack" panose="020B0609030202020204" pitchFamily="49" charset="0"/>
+              </a:rPr>
+              <a:t> {</a:t>
+            </a:r>
+          </a:p>
+          <a:p>
+            <a:r>
+              <a:rPr lang="en-US" dirty="0">
+                <a:solidFill>
+                  <a:srgbClr val="D55FDE"/>
+                </a:solidFill>
+                <a:latin typeface="Hack" panose="020B0609030202020204" pitchFamily="49" charset="0"/>
+              </a:rPr>
+              <a:t>    </a:t>
+            </a:r>
+            <a:r>
+              <a:rPr lang="en-US" b="0" dirty="0" err="1">
+                <a:solidFill>
+                  <a:srgbClr val="D55FDE"/>
+                </a:solidFill>
+                <a:effectLst/>
+                <a:latin typeface="Hack" panose="020B0609030202020204" pitchFamily="49" charset="0"/>
+              </a:rPr>
+              <a:t>enum</a:t>
+            </a:r>
+            <a:r>
+              <a:rPr lang="en-US" b="0" dirty="0">
+                <a:solidFill>
+                  <a:srgbClr val="BBBBBB"/>
+                </a:solidFill>
+                <a:effectLst/>
+                <a:latin typeface="Hack" panose="020B0609030202020204" pitchFamily="49" charset="0"/>
+              </a:rPr>
+              <a:t> </a:t>
+            </a:r>
+            <a:r>
+              <a:rPr lang="en-US" b="0" dirty="0" err="1">
+                <a:solidFill>
+                  <a:srgbClr val="52ADF2"/>
+                </a:solidFill>
+                <a:effectLst/>
+                <a:latin typeface="Hack" panose="020B0609030202020204" pitchFamily="49" charset="0"/>
+              </a:rPr>
+              <a:t>GreetingType</a:t>
+            </a:r>
+            <a:r>
+              <a:rPr lang="en-US" b="0" dirty="0">
+                <a:solidFill>
+                  <a:srgbClr val="BBBBBB"/>
+                </a:solidFill>
+                <a:effectLst/>
+                <a:latin typeface="Hack" panose="020B0609030202020204" pitchFamily="49" charset="0"/>
+              </a:rPr>
+              <a:t> {</a:t>
+            </a:r>
+          </a:p>
+          <a:p>
+            <a:r>
+              <a:rPr lang="en-US" b="0" dirty="0">
+                <a:solidFill>
+                  <a:srgbClr val="D8985F"/>
+                </a:solidFill>
+                <a:effectLst/>
+                <a:latin typeface="Hack" panose="020B0609030202020204" pitchFamily="49" charset="0"/>
+              </a:rPr>
+              <a:t>        MORNING</a:t>
+            </a:r>
+            <a:r>
+              <a:rPr lang="en-US" b="0" dirty="0">
+                <a:solidFill>
+                  <a:srgbClr val="BBBBBB"/>
+                </a:solidFill>
+                <a:effectLst/>
+                <a:latin typeface="Hack" panose="020B0609030202020204" pitchFamily="49" charset="0"/>
+              </a:rPr>
+              <a:t> = </a:t>
+            </a:r>
+            <a:r>
+              <a:rPr lang="en-US" b="0" dirty="0">
+                <a:solidFill>
+                  <a:srgbClr val="D8985F"/>
+                </a:solidFill>
+                <a:effectLst/>
+                <a:latin typeface="Hack" panose="020B0609030202020204" pitchFamily="49" charset="0"/>
+              </a:rPr>
+              <a:t>0</a:t>
+            </a:r>
+            <a:r>
+              <a:rPr lang="en-US" b="0" dirty="0">
+                <a:solidFill>
+                  <a:srgbClr val="BBBBBB"/>
+                </a:solidFill>
+                <a:effectLst/>
+                <a:latin typeface="Hack" panose="020B0609030202020204" pitchFamily="49" charset="0"/>
+              </a:rPr>
+              <a:t>;</a:t>
+            </a:r>
+          </a:p>
+          <a:p>
+            <a:r>
+              <a:rPr lang="en-US" dirty="0">
+                <a:solidFill>
+                  <a:srgbClr val="D8985F"/>
+                </a:solidFill>
+                <a:latin typeface="Hack" panose="020B0609030202020204" pitchFamily="49" charset="0"/>
+              </a:rPr>
+              <a:t>        </a:t>
+            </a:r>
+            <a:r>
+              <a:rPr lang="en-US" b="0" dirty="0">
+                <a:solidFill>
+                  <a:srgbClr val="D8985F"/>
+                </a:solidFill>
+                <a:effectLst/>
+                <a:latin typeface="Hack" panose="020B0609030202020204" pitchFamily="49" charset="0"/>
+              </a:rPr>
+              <a:t>AFTERNOON</a:t>
+            </a:r>
+            <a:r>
+              <a:rPr lang="en-US" b="0" dirty="0">
+                <a:solidFill>
+                  <a:srgbClr val="BBBBBB"/>
+                </a:solidFill>
+                <a:effectLst/>
+                <a:latin typeface="Hack" panose="020B0609030202020204" pitchFamily="49" charset="0"/>
+              </a:rPr>
+              <a:t> = </a:t>
+            </a:r>
+            <a:r>
+              <a:rPr lang="en-US" b="0" dirty="0">
+                <a:solidFill>
+                  <a:srgbClr val="D8985F"/>
+                </a:solidFill>
+                <a:effectLst/>
+                <a:latin typeface="Hack" panose="020B0609030202020204" pitchFamily="49" charset="0"/>
+              </a:rPr>
+              <a:t>1</a:t>
+            </a:r>
+            <a:r>
+              <a:rPr lang="en-US" b="0" dirty="0">
+                <a:solidFill>
+                  <a:srgbClr val="BBBBBB"/>
+                </a:solidFill>
+                <a:effectLst/>
+                <a:latin typeface="Hack" panose="020B0609030202020204" pitchFamily="49" charset="0"/>
+              </a:rPr>
+              <a:t>;</a:t>
+            </a:r>
+          </a:p>
+          <a:p>
+            <a:r>
+              <a:rPr lang="en-US" dirty="0">
+                <a:solidFill>
+                  <a:srgbClr val="BBBBBB"/>
+                </a:solidFill>
+                <a:latin typeface="Hack" panose="020B0609030202020204" pitchFamily="49" charset="0"/>
+              </a:rPr>
+              <a:t>    </a:t>
+            </a:r>
+            <a:r>
+              <a:rPr lang="en-US" b="0" dirty="0">
+                <a:solidFill>
+                  <a:srgbClr val="BBBBBB"/>
+                </a:solidFill>
+                <a:effectLst/>
+                <a:latin typeface="Hack" panose="020B0609030202020204" pitchFamily="49" charset="0"/>
+              </a:rPr>
+              <a:t>}</a:t>
+            </a:r>
+          </a:p>
+          <a:p>
+            <a:br>
+              <a:rPr lang="en-US" b="0" dirty="0">
+                <a:solidFill>
+                  <a:srgbClr val="BBBBBB"/>
+                </a:solidFill>
+                <a:effectLst/>
+                <a:latin typeface="Hack" panose="020B0609030202020204" pitchFamily="49" charset="0"/>
+              </a:rPr>
+            </a:br>
+            <a:r>
+              <a:rPr lang="en-US" b="0" dirty="0">
+                <a:solidFill>
+                  <a:srgbClr val="BBBBBB"/>
+                </a:solidFill>
+                <a:effectLst/>
+                <a:latin typeface="Hack" panose="020B0609030202020204" pitchFamily="49" charset="0"/>
+              </a:rPr>
+              <a:t>    </a:t>
+            </a:r>
+            <a:r>
+              <a:rPr lang="en-US" b="0" dirty="0">
+                <a:solidFill>
+                  <a:srgbClr val="D55FDE"/>
+                </a:solidFill>
+                <a:effectLst/>
+                <a:latin typeface="Hack" panose="020B0609030202020204" pitchFamily="49" charset="0"/>
+              </a:rPr>
               <a:t>Name</a:t>
             </a:r>
             <a:r>
-              <a:rPr lang="en-US" b="0" dirty="0" smtClean="0">
+              <a:rPr lang="en-US" b="0" dirty="0">
                 <a:solidFill>
                   <a:srgbClr val="BBBBBB"/>
                 </a:solidFill>
                 <a:effectLst/>
                 <a:latin typeface="Hack" panose="020B0609030202020204" pitchFamily="49" charset="0"/>
               </a:rPr>
-              <a:t> {</a:t>
-            </a:r>
-          </a:p>
-          <a:p>
-            <a:r>
-              <a:rPr lang="en-US" b="0" dirty="0" smtClean="0">
+              <a:t> </a:t>
+            </a:r>
+            <a:r>
+              <a:rPr lang="en-US" b="0" dirty="0" err="1">
+                <a:solidFill>
+                  <a:srgbClr val="EF596F"/>
+                </a:solidFill>
+                <a:effectLst/>
+                <a:latin typeface="Hack" panose="020B0609030202020204" pitchFamily="49" charset="0"/>
+              </a:rPr>
+              <a:t>name</a:t>
+            </a:r>
+            <a:r>
+              <a:rPr lang="en-US" b="0" dirty="0">
+                <a:solidFill>
+                  <a:srgbClr val="BBBBBB"/>
+                </a:solidFill>
+                <a:effectLst/>
+                <a:latin typeface="Hack" panose="020B0609030202020204" pitchFamily="49" charset="0"/>
+              </a:rPr>
+              <a:t> = </a:t>
+            </a:r>
+            <a:r>
+              <a:rPr lang="en-US" b="0" dirty="0">
+                <a:solidFill>
+                  <a:srgbClr val="D8985F"/>
+                </a:solidFill>
+                <a:effectLst/>
+                <a:latin typeface="Hack" panose="020B0609030202020204" pitchFamily="49" charset="0"/>
+              </a:rPr>
+              <a:t>1</a:t>
+            </a:r>
+            <a:r>
+              <a:rPr lang="en-US" b="0" dirty="0">
+                <a:solidFill>
+                  <a:srgbClr val="BBBBBB"/>
+                </a:solidFill>
+                <a:effectLst/>
+                <a:latin typeface="Hack" panose="020B0609030202020204" pitchFamily="49" charset="0"/>
+              </a:rPr>
+              <a:t>;</a:t>
+            </a:r>
+          </a:p>
+          <a:p>
+            <a:r>
+              <a:rPr lang="en-US" b="0" dirty="0">
                 <a:solidFill>
                   <a:srgbClr val="D55FDE"/>
                 </a:solidFill>
                 <a:effectLst/>
                 <a:latin typeface="Hack" panose="020B0609030202020204" pitchFamily="49" charset="0"/>
               </a:rPr>
-              <a:t>    string</a:t>
-            </a:r>
-            <a:r>
-              <a:rPr lang="en-US" b="0" dirty="0" smtClean="0">
+              <a:t>    </a:t>
+            </a:r>
+            <a:r>
+              <a:rPr lang="en-US" b="0" dirty="0" err="1">
+                <a:solidFill>
+                  <a:srgbClr val="D55FDE"/>
+                </a:solidFill>
+                <a:effectLst/>
+                <a:latin typeface="Hack" panose="020B0609030202020204" pitchFamily="49" charset="0"/>
+              </a:rPr>
+              <a:t>GreetingType</a:t>
+            </a:r>
+            <a:r>
+              <a:rPr lang="en-US" b="0" dirty="0">
                 <a:solidFill>
                   <a:srgbClr val="BBBBBB"/>
                 </a:solidFill>
@@ -4122,17 +4421,17 @@
               <a:t> </a:t>
             </a:r>
             <a:r>
-              <a:rPr lang="en-US" b="0" dirty="0" err="1" smtClean="0">
+              <a:rPr lang="en-US" b="0" dirty="0" err="1">
                 <a:solidFill>
                   <a:srgbClr val="EF596F"/>
                 </a:solidFill>
                 <a:effectLst/>
                 <a:latin typeface="Hack" panose="020B0609030202020204" pitchFamily="49" charset="0"/>
               </a:rPr>
-              <a:t>first_name</a:t>
-            </a:r>
-            <a:r>
-              <a:rPr lang="en-US" b="0" dirty="0" smtClean="0">
+              <a:t>greeting_type</a:t>
+            </a:r>
+            <a:r>
+              <a:rPr lang="en-US" b="0" dirty="0">
                 <a:solidFill>
                   <a:srgbClr val="BBBBBB"/>
                 </a:solidFill>
@@ -4142,17 +4441,17 @@
               <a:t> = </a:t>
             </a:r>
             <a:r>
-              <a:rPr lang="en-US" b="0" dirty="0" smtClean="0">
+              <a:rPr lang="en-US" b="0" dirty="0">
                 <a:solidFill>
                   <a:srgbClr val="D8985F"/>
                 </a:solidFill>
                 <a:effectLst/>
                 <a:latin typeface="Hack" panose="020B0609030202020204" pitchFamily="49" charset="0"/>
               </a:rPr>
-              <a:t>1</a:t>
-            </a:r>
-            <a:r>
-              <a:rPr lang="en-US" b="0" dirty="0" smtClean="0">
+              <a:t>2</a:t>
+            </a:r>
+            <a:r>
+              <a:rPr lang="en-US" b="0" dirty="0">
                 <a:solidFill>
                   <a:srgbClr val="BBBBBB"/>
                 </a:solidFill>
@@ -4164,512 +4463,15 @@
           </a:p>
           <a:p>
             <a:r>
-              <a:rPr lang="en-US" b="0" dirty="0" smtClean="0">
-                <a:solidFill>
-                  <a:srgbClr val="D55FDE"/>
-                </a:solidFill>
-                <a:effectLst/>
-                <a:latin typeface="Hack" panose="020B0609030202020204" pitchFamily="49" charset="0"/>
-              </a:rPr>
-              <a:t>    string</a:t>
-            </a:r>
-            <a:r>
-              <a:rPr lang="en-US" b="0" dirty="0" smtClean="0">
+              <a:rPr lang="en-US" b="0" dirty="0">
                 <a:solidFill>
                   <a:srgbClr val="BBBBBB"/>
                 </a:solidFill>
                 <a:effectLst/>
                 <a:latin typeface="Hack" panose="020B0609030202020204" pitchFamily="49" charset="0"/>
               </a:rPr>
-              <a:t> </a:t>
-            </a:r>
-            <a:r>
-              <a:rPr lang="en-US" b="0" dirty="0" err="1" smtClean="0">
-                <a:solidFill>
-                  <a:srgbClr val="EF596F"/>
-                </a:solidFill>
-                <a:effectLst/>
-                <a:latin typeface="Hack" panose="020B0609030202020204" pitchFamily="49" charset="0"/>
-              </a:rPr>
-              <a:t>last_name</a:t>
-            </a:r>
-            <a:r>
-              <a:rPr lang="en-US" b="0" dirty="0" smtClean="0">
-                <a:solidFill>
-                  <a:srgbClr val="BBBBBB"/>
-                </a:solidFill>
-                <a:effectLst/>
-                <a:latin typeface="Hack" panose="020B0609030202020204" pitchFamily="49" charset="0"/>
-              </a:rPr>
-              <a:t> = </a:t>
-            </a:r>
-            <a:r>
-              <a:rPr lang="en-US" b="0" dirty="0" smtClean="0">
-                <a:solidFill>
-                  <a:srgbClr val="D8985F"/>
-                </a:solidFill>
-                <a:effectLst/>
-                <a:latin typeface="Hack" panose="020B0609030202020204" pitchFamily="49" charset="0"/>
-              </a:rPr>
-              <a:t>2</a:t>
-            </a:r>
-            <a:r>
-              <a:rPr lang="en-US" b="0" dirty="0" smtClean="0">
-                <a:solidFill>
-                  <a:srgbClr val="BBBBBB"/>
-                </a:solidFill>
-                <a:effectLst/>
-                <a:latin typeface="Hack" panose="020B0609030202020204" pitchFamily="49" charset="0"/>
-              </a:rPr>
-              <a:t>;</a:t>
-            </a:r>
-          </a:p>
-          <a:p>
-            <a:r>
-              <a:rPr lang="en-US" b="0" dirty="0" smtClean="0">
-                <a:solidFill>
-                  <a:srgbClr val="BBBBBB"/>
-                </a:solidFill>
-                <a:effectLst/>
-                <a:latin typeface="Hack" panose="020B0609030202020204" pitchFamily="49" charset="0"/>
-              </a:rPr>
               <a:t>}</a:t>
             </a:r>
-          </a:p>
-          <a:p>
-            <a:r>
-              <a:rPr lang="en-US" b="0" dirty="0" smtClean="0">
-                <a:solidFill>
-                  <a:srgbClr val="BBBBBB"/>
-                </a:solidFill>
-                <a:effectLst/>
-                <a:latin typeface="Hack" panose="020B0609030202020204" pitchFamily="49" charset="0"/>
-              </a:rPr>
-              <a:t/>
-            </a:r>
-            <a:br>
-              <a:rPr lang="en-US" b="0" dirty="0" smtClean="0">
-                <a:solidFill>
-                  <a:srgbClr val="BBBBBB"/>
-                </a:solidFill>
-                <a:effectLst/>
-                <a:latin typeface="Hack" panose="020B0609030202020204" pitchFamily="49" charset="0"/>
-              </a:rPr>
-            </a:br>
-            <a:r>
-              <a:rPr lang="en-US" b="0" dirty="0" smtClean="0">
-                <a:solidFill>
-                  <a:srgbClr val="D55FDE"/>
-                </a:solidFill>
-                <a:effectLst/>
-                <a:latin typeface="Hack" panose="020B0609030202020204" pitchFamily="49" charset="0"/>
-              </a:rPr>
-              <a:t>message</a:t>
-            </a:r>
-            <a:r>
-              <a:rPr lang="en-US" b="0" dirty="0" smtClean="0">
-                <a:solidFill>
-                  <a:srgbClr val="BBBBBB"/>
-                </a:solidFill>
-                <a:effectLst/>
-                <a:latin typeface="Hack" panose="020B0609030202020204" pitchFamily="49" charset="0"/>
-              </a:rPr>
-              <a:t> </a:t>
-            </a:r>
-            <a:r>
-              <a:rPr lang="en-US" b="0" dirty="0" smtClean="0">
-                <a:solidFill>
-                  <a:srgbClr val="52ADF2"/>
-                </a:solidFill>
-                <a:effectLst/>
-                <a:latin typeface="Hack" panose="020B0609030202020204" pitchFamily="49" charset="0"/>
-              </a:rPr>
-              <a:t>Greeting</a:t>
-            </a:r>
-            <a:r>
-              <a:rPr lang="en-US" b="0" dirty="0" smtClean="0">
-                <a:solidFill>
-                  <a:srgbClr val="BBBBBB"/>
-                </a:solidFill>
-                <a:effectLst/>
-                <a:latin typeface="Hack" panose="020B0609030202020204" pitchFamily="49" charset="0"/>
-              </a:rPr>
-              <a:t> {</a:t>
-            </a:r>
-          </a:p>
-          <a:p>
-            <a:r>
-              <a:rPr lang="en-US" dirty="0">
-                <a:solidFill>
-                  <a:srgbClr val="D55FDE"/>
-                </a:solidFill>
-                <a:latin typeface="Hack" panose="020B0609030202020204" pitchFamily="49" charset="0"/>
-              </a:rPr>
-              <a:t> </a:t>
-            </a:r>
-            <a:r>
-              <a:rPr lang="en-US" dirty="0" smtClean="0">
-                <a:solidFill>
-                  <a:srgbClr val="D55FDE"/>
-                </a:solidFill>
-                <a:latin typeface="Hack" panose="020B0609030202020204" pitchFamily="49" charset="0"/>
-              </a:rPr>
-              <a:t>   </a:t>
-            </a:r>
-            <a:r>
-              <a:rPr lang="en-US" b="0" dirty="0" err="1" smtClean="0">
-                <a:solidFill>
-                  <a:srgbClr val="D55FDE"/>
-                </a:solidFill>
-                <a:effectLst/>
-                <a:latin typeface="Hack" panose="020B0609030202020204" pitchFamily="49" charset="0"/>
-              </a:rPr>
-              <a:t>enum</a:t>
-            </a:r>
-            <a:r>
-              <a:rPr lang="en-US" b="0" dirty="0" smtClean="0">
-                <a:solidFill>
-                  <a:srgbClr val="BBBBBB"/>
-                </a:solidFill>
-                <a:effectLst/>
-                <a:latin typeface="Hack" panose="020B0609030202020204" pitchFamily="49" charset="0"/>
-              </a:rPr>
-              <a:t> </a:t>
-            </a:r>
-            <a:r>
-              <a:rPr lang="en-US" b="0" dirty="0" err="1" smtClean="0">
-                <a:solidFill>
-                  <a:srgbClr val="52ADF2"/>
-                </a:solidFill>
-                <a:effectLst/>
-                <a:latin typeface="Hack" panose="020B0609030202020204" pitchFamily="49" charset="0"/>
-              </a:rPr>
-              <a:t>GreetingType</a:t>
-            </a:r>
-            <a:r>
-              <a:rPr lang="en-US" b="0" dirty="0" smtClean="0">
-                <a:solidFill>
-                  <a:srgbClr val="BBBBBB"/>
-                </a:solidFill>
-                <a:effectLst/>
-                <a:latin typeface="Hack" panose="020B0609030202020204" pitchFamily="49" charset="0"/>
-              </a:rPr>
-              <a:t> {</a:t>
-            </a:r>
-          </a:p>
-          <a:p>
-            <a:r>
-              <a:rPr lang="en-US" b="0" dirty="0" smtClean="0">
-                <a:solidFill>
-                  <a:srgbClr val="D8985F"/>
-                </a:solidFill>
-                <a:effectLst/>
-                <a:latin typeface="Hack" panose="020B0609030202020204" pitchFamily="49" charset="0"/>
-              </a:rPr>
-              <a:t>        MORNING</a:t>
-            </a:r>
-            <a:r>
-              <a:rPr lang="en-US" b="0" dirty="0" smtClean="0">
-                <a:solidFill>
-                  <a:srgbClr val="BBBBBB"/>
-                </a:solidFill>
-                <a:effectLst/>
-                <a:latin typeface="Hack" panose="020B0609030202020204" pitchFamily="49" charset="0"/>
-              </a:rPr>
-              <a:t> = </a:t>
-            </a:r>
-            <a:r>
-              <a:rPr lang="en-US" b="0" dirty="0" smtClean="0">
-                <a:solidFill>
-                  <a:srgbClr val="D8985F"/>
-                </a:solidFill>
-                <a:effectLst/>
-                <a:latin typeface="Hack" panose="020B0609030202020204" pitchFamily="49" charset="0"/>
-              </a:rPr>
-              <a:t>0</a:t>
-            </a:r>
-            <a:r>
-              <a:rPr lang="en-US" b="0" dirty="0" smtClean="0">
-                <a:solidFill>
-                  <a:srgbClr val="BBBBBB"/>
-                </a:solidFill>
-                <a:effectLst/>
-                <a:latin typeface="Hack" panose="020B0609030202020204" pitchFamily="49" charset="0"/>
-              </a:rPr>
-              <a:t>;</a:t>
-            </a:r>
-          </a:p>
-          <a:p>
-            <a:r>
-              <a:rPr lang="en-US" dirty="0">
-                <a:solidFill>
-                  <a:srgbClr val="D8985F"/>
-                </a:solidFill>
-                <a:latin typeface="Hack" panose="020B0609030202020204" pitchFamily="49" charset="0"/>
-              </a:rPr>
-              <a:t> </a:t>
-            </a:r>
-            <a:r>
-              <a:rPr lang="en-US" dirty="0" smtClean="0">
-                <a:solidFill>
-                  <a:srgbClr val="D8985F"/>
-                </a:solidFill>
-                <a:latin typeface="Hack" panose="020B0609030202020204" pitchFamily="49" charset="0"/>
-              </a:rPr>
-              <a:t>       </a:t>
-            </a:r>
-            <a:r>
-              <a:rPr lang="en-US" b="0" dirty="0" smtClean="0">
-                <a:solidFill>
-                  <a:srgbClr val="D8985F"/>
-                </a:solidFill>
-                <a:effectLst/>
-                <a:latin typeface="Hack" panose="020B0609030202020204" pitchFamily="49" charset="0"/>
-              </a:rPr>
-              <a:t>AFTERNOON</a:t>
-            </a:r>
-            <a:r>
-              <a:rPr lang="en-US" b="0" dirty="0" smtClean="0">
-                <a:solidFill>
-                  <a:srgbClr val="BBBBBB"/>
-                </a:solidFill>
-                <a:effectLst/>
-                <a:latin typeface="Hack" panose="020B0609030202020204" pitchFamily="49" charset="0"/>
-              </a:rPr>
-              <a:t> = </a:t>
-            </a:r>
-            <a:r>
-              <a:rPr lang="en-US" b="0" dirty="0" smtClean="0">
-                <a:solidFill>
-                  <a:srgbClr val="D8985F"/>
-                </a:solidFill>
-                <a:effectLst/>
-                <a:latin typeface="Hack" panose="020B0609030202020204" pitchFamily="49" charset="0"/>
-              </a:rPr>
-              <a:t>1</a:t>
-            </a:r>
-            <a:r>
-              <a:rPr lang="en-US" b="0" dirty="0" smtClean="0">
-                <a:solidFill>
-                  <a:srgbClr val="BBBBBB"/>
-                </a:solidFill>
-                <a:effectLst/>
-                <a:latin typeface="Hack" panose="020B0609030202020204" pitchFamily="49" charset="0"/>
-              </a:rPr>
-              <a:t>;</a:t>
-            </a:r>
-          </a:p>
-          <a:p>
-            <a:r>
-              <a:rPr lang="en-US" dirty="0">
-                <a:solidFill>
-                  <a:srgbClr val="BBBBBB"/>
-                </a:solidFill>
-                <a:latin typeface="Hack" panose="020B0609030202020204" pitchFamily="49" charset="0"/>
-              </a:rPr>
-              <a:t> </a:t>
-            </a:r>
-            <a:r>
-              <a:rPr lang="en-US" dirty="0" smtClean="0">
-                <a:solidFill>
-                  <a:srgbClr val="BBBBBB"/>
-                </a:solidFill>
-                <a:latin typeface="Hack" panose="020B0609030202020204" pitchFamily="49" charset="0"/>
-              </a:rPr>
-              <a:t>   </a:t>
-            </a:r>
-            <a:r>
-              <a:rPr lang="en-US" b="0" dirty="0" smtClean="0">
-                <a:solidFill>
-                  <a:srgbClr val="BBBBBB"/>
-                </a:solidFill>
-                <a:effectLst/>
-                <a:latin typeface="Hack" panose="020B0609030202020204" pitchFamily="49" charset="0"/>
-              </a:rPr>
-              <a:t>}</a:t>
-            </a:r>
-          </a:p>
-          <a:p>
-            <a:r>
-              <a:rPr lang="en-US" b="0" dirty="0" smtClean="0">
-                <a:solidFill>
-                  <a:srgbClr val="BBBBBB"/>
-                </a:solidFill>
-                <a:effectLst/>
-                <a:latin typeface="Hack" panose="020B0609030202020204" pitchFamily="49" charset="0"/>
-              </a:rPr>
-              <a:t/>
-            </a:r>
-            <a:br>
-              <a:rPr lang="en-US" b="0" dirty="0" smtClean="0">
-                <a:solidFill>
-                  <a:srgbClr val="BBBBBB"/>
-                </a:solidFill>
-                <a:effectLst/>
-                <a:latin typeface="Hack" panose="020B0609030202020204" pitchFamily="49" charset="0"/>
-              </a:rPr>
-            </a:br>
-            <a:r>
-              <a:rPr lang="en-US" b="0" dirty="0" smtClean="0">
-                <a:solidFill>
-                  <a:srgbClr val="BBBBBB"/>
-                </a:solidFill>
-                <a:effectLst/>
-                <a:latin typeface="Hack" panose="020B0609030202020204" pitchFamily="49" charset="0"/>
-              </a:rPr>
-              <a:t>    </a:t>
-            </a:r>
-            <a:r>
-              <a:rPr lang="en-US" b="0" dirty="0" smtClean="0">
-                <a:solidFill>
-                  <a:srgbClr val="D55FDE"/>
-                </a:solidFill>
-                <a:effectLst/>
-                <a:latin typeface="Hack" panose="020B0609030202020204" pitchFamily="49" charset="0"/>
-              </a:rPr>
-              <a:t>Name</a:t>
-            </a:r>
-            <a:r>
-              <a:rPr lang="en-US" b="0" dirty="0" smtClean="0">
-                <a:solidFill>
-                  <a:srgbClr val="BBBBBB"/>
-                </a:solidFill>
-                <a:effectLst/>
-                <a:latin typeface="Hack" panose="020B0609030202020204" pitchFamily="49" charset="0"/>
-              </a:rPr>
-              <a:t> </a:t>
-            </a:r>
-            <a:r>
-              <a:rPr lang="en-US" b="0" dirty="0" err="1" smtClean="0">
-                <a:solidFill>
-                  <a:srgbClr val="EF596F"/>
-                </a:solidFill>
-                <a:effectLst/>
-                <a:latin typeface="Hack" panose="020B0609030202020204" pitchFamily="49" charset="0"/>
-              </a:rPr>
-              <a:t>name</a:t>
-            </a:r>
-            <a:r>
-              <a:rPr lang="en-US" b="0" dirty="0" smtClean="0">
-                <a:solidFill>
-                  <a:srgbClr val="BBBBBB"/>
-                </a:solidFill>
-                <a:effectLst/>
-                <a:latin typeface="Hack" panose="020B0609030202020204" pitchFamily="49" charset="0"/>
-              </a:rPr>
-              <a:t> = </a:t>
-            </a:r>
-            <a:r>
-              <a:rPr lang="en-US" b="0" dirty="0" smtClean="0">
-                <a:solidFill>
-                  <a:srgbClr val="D8985F"/>
-                </a:solidFill>
-                <a:effectLst/>
-                <a:latin typeface="Hack" panose="020B0609030202020204" pitchFamily="49" charset="0"/>
-              </a:rPr>
-              <a:t>1</a:t>
-            </a:r>
-            <a:r>
-              <a:rPr lang="en-US" b="0" dirty="0" smtClean="0">
-                <a:solidFill>
-                  <a:srgbClr val="BBBBBB"/>
-                </a:solidFill>
-                <a:effectLst/>
-                <a:latin typeface="Hack" panose="020B0609030202020204" pitchFamily="49" charset="0"/>
-              </a:rPr>
-              <a:t>;</a:t>
-            </a:r>
-          </a:p>
-          <a:p>
-            <a:r>
-              <a:rPr lang="en-US" b="0" dirty="0" smtClean="0">
-                <a:solidFill>
-                  <a:srgbClr val="D55FDE"/>
-                </a:solidFill>
-                <a:effectLst/>
-                <a:latin typeface="Hack" panose="020B0609030202020204" pitchFamily="49" charset="0"/>
-              </a:rPr>
-              <a:t>    </a:t>
-            </a:r>
-            <a:r>
-              <a:rPr lang="en-US" b="0" dirty="0" err="1" smtClean="0">
-                <a:solidFill>
-                  <a:srgbClr val="D55FDE"/>
-                </a:solidFill>
-                <a:effectLst/>
-                <a:latin typeface="Hack" panose="020B0609030202020204" pitchFamily="49" charset="0"/>
-              </a:rPr>
-              <a:t>GreetingType</a:t>
-            </a:r>
-            <a:r>
-              <a:rPr lang="en-US" b="0" dirty="0" smtClean="0">
-                <a:solidFill>
-                  <a:srgbClr val="BBBBBB"/>
-                </a:solidFill>
-                <a:effectLst/>
-                <a:latin typeface="Hack" panose="020B0609030202020204" pitchFamily="49" charset="0"/>
-              </a:rPr>
-              <a:t> </a:t>
-            </a:r>
-            <a:r>
-              <a:rPr lang="en-US" b="0" dirty="0" err="1" smtClean="0">
-                <a:solidFill>
-                  <a:srgbClr val="EF596F"/>
-                </a:solidFill>
-                <a:effectLst/>
-                <a:latin typeface="Hack" panose="020B0609030202020204" pitchFamily="49" charset="0"/>
-              </a:rPr>
-              <a:t>greeting_type</a:t>
-            </a:r>
-            <a:r>
-              <a:rPr lang="en-US" b="0" dirty="0" smtClean="0">
-                <a:solidFill>
-                  <a:srgbClr val="BBBBBB"/>
-                </a:solidFill>
-                <a:effectLst/>
-                <a:latin typeface="Hack" panose="020B0609030202020204" pitchFamily="49" charset="0"/>
-              </a:rPr>
-              <a:t> = </a:t>
-            </a:r>
-            <a:r>
-              <a:rPr lang="en-US" b="0" dirty="0" smtClean="0">
-                <a:solidFill>
-                  <a:srgbClr val="D8985F"/>
-                </a:solidFill>
-                <a:effectLst/>
-                <a:latin typeface="Hack" panose="020B0609030202020204" pitchFamily="49" charset="0"/>
-              </a:rPr>
-              <a:t>2</a:t>
-            </a:r>
-            <a:r>
-              <a:rPr lang="en-US" b="0" dirty="0" smtClean="0">
-                <a:solidFill>
-                  <a:srgbClr val="BBBBBB"/>
-                </a:solidFill>
-                <a:effectLst/>
-                <a:latin typeface="Hack" panose="020B0609030202020204" pitchFamily="49" charset="0"/>
-              </a:rPr>
-              <a:t>;</a:t>
-            </a:r>
-          </a:p>
-          <a:p>
-            <a:r>
-              <a:rPr lang="en-US" b="0" dirty="0" smtClean="0">
-                <a:solidFill>
-                  <a:srgbClr val="BBBBBB"/>
-                </a:solidFill>
-                <a:effectLst/>
-                <a:latin typeface="Hack" panose="020B0609030202020204" pitchFamily="49" charset="0"/>
-              </a:rPr>
-              <a:t>}</a:t>
-            </a:r>
-            <a:endParaRPr lang="en-US" b="0" dirty="0">
-              <a:solidFill>
-                <a:srgbClr val="BBBBBB"/>
-              </a:solidFill>
-              <a:effectLst/>
-              <a:latin typeface="Hack" panose="020B0609030202020204" pitchFamily="49" charset="0"/>
-            </a:endParaRPr>
           </a:p>
         </p:txBody>
       </p:sp>
@@ -4683,13 +4485,6 @@
   <p:clrMapOvr>
     <a:masterClrMapping/>
   </p:clrMapOvr>
-  <p:timing>
-    <p:tnLst>
-      <p:par>
-        <p:cTn id="1" dur="indefinite" restart="never" nodeType="tmRoot"/>
-      </p:par>
-    </p:tnLst>
-  </p:timing>
 </p:sld>
 </file>
 
@@ -4726,7 +4521,7 @@
           <a:lstStyle/>
           <a:p>
             <a:r>
-              <a:rPr lang="en-US" dirty="0" err="1" smtClean="0"/>
+              <a:rPr lang="en-US" dirty="0" err="1"/>
               <a:t>protoc</a:t>
             </a:r>
             <a:endParaRPr lang="en-US" dirty="0"/>
@@ -4749,29 +4544,29 @@
           <a:lstStyle/>
           <a:p>
             <a:r>
-              <a:rPr lang="en-US" dirty="0" err="1" smtClean="0"/>
+              <a:rPr lang="en-US" dirty="0" err="1"/>
               <a:t>Protobuf</a:t>
             </a:r>
             <a:r>
-              <a:rPr lang="en-US" dirty="0" smtClean="0"/>
+              <a:rPr lang="en-US" dirty="0"/>
               <a:t> compiler</a:t>
             </a:r>
           </a:p>
           <a:p>
             <a:r>
-              <a:rPr lang="en-US" dirty="0" smtClean="0"/>
+              <a:rPr lang="en-US" dirty="0"/>
               <a:t>Generates code for a specified language</a:t>
             </a:r>
           </a:p>
           <a:p>
             <a:r>
-              <a:rPr lang="en-US" dirty="0" smtClean="0"/>
+              <a:rPr lang="en-US" dirty="0"/>
               <a:t>Uses language features</a:t>
             </a:r>
           </a:p>
           <a:p>
             <a:r>
-              <a:rPr lang="en-US" dirty="0" smtClean="0"/>
+              <a:rPr lang="en-US" dirty="0"/>
               <a:t>See generated code guide of the language for more details</a:t>
             </a:r>
           </a:p>
@@ -5052,10 +4847,9 @@
           <a:lstStyle/>
           <a:p>
             <a:r>
-              <a:rPr lang="en-US" dirty="0" smtClean="0"/>
+              <a:rPr lang="en-US" dirty="0"/>
               <a:t>GRPC</a:t>
             </a:r>
-            <a:endParaRPr lang="en-US" dirty="0"/>
           </a:p>
         </p:txBody>
       </p:sp>
@@ -5100,7 +4894,7 @@
           </a:p>
           <a:p>
             <a:r>
-              <a:rPr lang="en-US" dirty="0" smtClean="0"/>
+              <a:rPr lang="en-US" dirty="0"/>
               <a:t>Services</a:t>
             </a:r>
           </a:p>
@@ -5224,15 +5018,6 @@
             </a:r>
           </a:p>
           <a:p>
-            <a:r>
-              <a:rPr lang="en-US" dirty="0">
-                <a:solidFill>
-                  <a:srgbClr val="BBBBBB"/>
-                </a:solidFill>
-                <a:latin typeface="Hack" panose="020B0609030202020204" pitchFamily="49" charset="0"/>
-              </a:rPr>
-              <a:t/>
-            </a:r>
             <a:br>
               <a:rPr lang="en-US" dirty="0">
                 <a:solidFill>
@@ -5279,15 +5064,6 @@
             </a:r>
           </a:p>
           <a:p>
-            <a:r>
-              <a:rPr lang="en-US" dirty="0">
-                <a:solidFill>
-                  <a:srgbClr val="BBBBBB"/>
-                </a:solidFill>
-                <a:latin typeface="Hack" panose="020B0609030202020204" pitchFamily="49" charset="0"/>
-              </a:rPr>
-              <a:t/>
-            </a:r>
             <a:br>
               <a:rPr lang="en-US" dirty="0">
                 <a:solidFill>
@@ -5335,7 +5111,7 @@
           </a:p>
           <a:p>
             <a:r>
-              <a:rPr lang="en-US" dirty="0" smtClean="0">
+              <a:rPr lang="en-US" dirty="0">
                 <a:solidFill>
                   <a:srgbClr val="D55FDE"/>
                 </a:solidFill>
@@ -5344,7 +5120,7 @@
               <a:t>    </a:t>
             </a:r>
             <a:r>
-              <a:rPr lang="en-US" dirty="0" err="1" smtClean="0">
+              <a:rPr lang="en-US" dirty="0" err="1">
                 <a:solidFill>
                   <a:srgbClr val="D55FDE"/>
                 </a:solidFill>
@@ -5353,7 +5129,7 @@
               <a:t>rpc</a:t>
             </a:r>
             <a:r>
-              <a:rPr lang="en-US" dirty="0" smtClean="0">
+              <a:rPr lang="en-US" dirty="0">
                 <a:solidFill>
                   <a:srgbClr val="BBBBBB"/>
                 </a:solidFill>
@@ -5464,13 +5240,6 @@
   <p:clrMapOvr>
     <a:masterClrMapping/>
   </p:clrMapOvr>
-  <p:timing>
-    <p:tnLst>
-      <p:par>
-        <p:cTn id="1" dur="indefinite" restart="never" nodeType="tmRoot"/>
-      </p:par>
-    </p:tnLst>
-  </p:timing>
 </p:sld>
 </file>
 
@@ -5507,10 +5276,9 @@
           <a:lstStyle/>
           <a:p>
             <a:r>
-              <a:rPr lang="en-US" dirty="0" smtClean="0"/>
+              <a:rPr lang="en-US" dirty="0"/>
               <a:t>GRPC</a:t>
             </a:r>
-            <a:endParaRPr lang="en-US" dirty="0"/>
           </a:p>
         </p:txBody>
       </p:sp>
@@ -5555,7 +5323,7 @@
           </a:p>
           <a:p>
             <a:r>
-              <a:rPr lang="en-US" dirty="0" smtClean="0">
+              <a:rPr lang="en-US" dirty="0">
                 <a:solidFill>
                   <a:schemeClr val="bg2"/>
                 </a:solidFill>
@@ -5565,8 +5333,18 @@
           </a:p>
           <a:p>
             <a:r>
-              <a:rPr lang="en-US" dirty="0" smtClean="0"/>
-              <a:t>Supports bi directional streaming</a:t>
+              <a:rPr lang="en-US" dirty="0"/>
+              <a:t>Supports bi directional streaming, timeouts, error, metadata</a:t>
+            </a:r>
+          </a:p>
+          <a:p>
+            <a:r>
+              <a:rPr lang="en-US" dirty="0"/>
+              <a:t>Plugin for </a:t>
+            </a:r>
+            <a:r>
+              <a:rPr lang="en-US" dirty="0" err="1"/>
+              <a:t>protoc</a:t>
             </a:r>
             <a:endParaRPr lang="en-US" dirty="0"/>
           </a:p>
@@ -5585,9 +5363,84 @@
   <p:timing>
     <p:tnLst>
       <p:par>
-        <p:cTn id="1" dur="indefinite" restart="never" nodeType="tmRoot"/>
+        <p:cTn id="1" dur="indefinite" restart="never" nodeType="tmRoot">
+          <p:childTnLst>
+            <p:seq concurrent="1" nextAc="seek">
+              <p:cTn id="2" dur="indefinite" nodeType="mainSeq">
+                <p:childTnLst>
+                  <p:par>
+                    <p:cTn id="3" fill="hold">
+                      <p:stCondLst>
+                        <p:cond delay="indefinite"/>
+                      </p:stCondLst>
+                      <p:childTnLst>
+                        <p:par>
+                          <p:cTn id="4" fill="hold">
+                            <p:stCondLst>
+                              <p:cond delay="0"/>
+                            </p:stCondLst>
+                            <p:childTnLst>
+                              <p:par>
+                                <p:cTn id="5" presetID="1" presetClass="entr" presetSubtype="0" fill="hold" grpId="0" nodeType="clickEffect">
+                                  <p:stCondLst>
+                                    <p:cond delay="0"/>
+                                  </p:stCondLst>
+                                  <p:childTnLst>
+                                    <p:set>
+                                      <p:cBhvr>
+                                        <p:cTn id="6" dur="1" fill="hold">
+                                          <p:stCondLst>
+                                            <p:cond delay="0"/>
+                                          </p:stCondLst>
+                                        </p:cTn>
+                                        <p:tgtEl>
+                                          <p:spTgt spid="3">
+                                            <p:txEl>
+                                              <p:pRg st="4" end="4"/>
+                                            </p:txEl>
+                                          </p:spTgt>
+                                        </p:tgtEl>
+                                        <p:attrNameLst>
+                                          <p:attrName>style.visibility</p:attrName>
+                                        </p:attrNameLst>
+                                      </p:cBhvr>
+                                      <p:to>
+                                        <p:strVal val="visible"/>
+                                      </p:to>
+                                    </p:set>
+                                  </p:childTnLst>
+                                </p:cTn>
+                              </p:par>
+                            </p:childTnLst>
+                          </p:cTn>
+                        </p:par>
+                      </p:childTnLst>
+                    </p:cTn>
+                  </p:par>
+                </p:childTnLst>
+              </p:cTn>
+              <p:prevCondLst>
+                <p:cond evt="onPrev" delay="0">
+                  <p:tgtEl>
+                    <p:sldTgt/>
+                  </p:tgtEl>
+                </p:cond>
+              </p:prevCondLst>
+              <p:nextCondLst>
+                <p:cond evt="onNext" delay="0">
+                  <p:tgtEl>
+                    <p:sldTgt/>
+                  </p:tgtEl>
+                </p:cond>
+              </p:nextCondLst>
+            </p:seq>
+          </p:childTnLst>
+        </p:cTn>
       </p:par>
     </p:tnLst>
+    <p:bldLst>
+      <p:bldP spid="3" grpId="0" uiExpand="1" build="p"/>
+    </p:bldLst>
   </p:timing>
 </p:sld>
 </file>
